--- a/ITI/TF/Volume1/media/Figure_27.3.2.1-1.pptx
+++ b/ITI/TF/Volume1/media/Figure_27.3.2.1-1.pptx
@@ -104,6 +104,11 @@
       </a:defRPr>
     </a:lvl9pPr>
   </p:defaultTextStyle>
+  <p:extLst>
+    <p:ext uri="{EFAFB233-063F-42B5-8137-9DF3F51BA10A}">
+      <p15:sldGuideLst xmlns:p15="http://schemas.microsoft.com/office/powerpoint/2012/main"/>
+    </p:ext>
+  </p:extLst>
 </p:presentation>
 </file>
 
@@ -254,7 +259,7 @@
           <a:p>
             <a:fld id="{66915F3F-E69E-C447-A4BF-D6AE249D50F7}" type="datetimeFigureOut">
               <a:rPr lang="en-US" smtClean="0"/>
-              <a:t>8/25/20</a:t>
+              <a:t>8/26/20</a:t>
             </a:fld>
             <a:endParaRPr lang="en-US"/>
           </a:p>
@@ -452,7 +457,7 @@
           <a:p>
             <a:fld id="{66915F3F-E69E-C447-A4BF-D6AE249D50F7}" type="datetimeFigureOut">
               <a:rPr lang="en-US" smtClean="0"/>
-              <a:t>8/25/20</a:t>
+              <a:t>8/26/20</a:t>
             </a:fld>
             <a:endParaRPr lang="en-US"/>
           </a:p>
@@ -660,7 +665,7 @@
           <a:p>
             <a:fld id="{66915F3F-E69E-C447-A4BF-D6AE249D50F7}" type="datetimeFigureOut">
               <a:rPr lang="en-US" smtClean="0"/>
-              <a:t>8/25/20</a:t>
+              <a:t>8/26/20</a:t>
             </a:fld>
             <a:endParaRPr lang="en-US"/>
           </a:p>
@@ -858,7 +863,7 @@
           <a:p>
             <a:fld id="{66915F3F-E69E-C447-A4BF-D6AE249D50F7}" type="datetimeFigureOut">
               <a:rPr lang="en-US" smtClean="0"/>
-              <a:t>8/25/20</a:t>
+              <a:t>8/26/20</a:t>
             </a:fld>
             <a:endParaRPr lang="en-US"/>
           </a:p>
@@ -1133,7 +1138,7 @@
           <a:p>
             <a:fld id="{66915F3F-E69E-C447-A4BF-D6AE249D50F7}" type="datetimeFigureOut">
               <a:rPr lang="en-US" smtClean="0"/>
-              <a:t>8/25/20</a:t>
+              <a:t>8/26/20</a:t>
             </a:fld>
             <a:endParaRPr lang="en-US"/>
           </a:p>
@@ -1398,7 +1403,7 @@
           <a:p>
             <a:fld id="{66915F3F-E69E-C447-A4BF-D6AE249D50F7}" type="datetimeFigureOut">
               <a:rPr lang="en-US" smtClean="0"/>
-              <a:t>8/25/20</a:t>
+              <a:t>8/26/20</a:t>
             </a:fld>
             <a:endParaRPr lang="en-US"/>
           </a:p>
@@ -1810,7 +1815,7 @@
           <a:p>
             <a:fld id="{66915F3F-E69E-C447-A4BF-D6AE249D50F7}" type="datetimeFigureOut">
               <a:rPr lang="en-US" smtClean="0"/>
-              <a:t>8/25/20</a:t>
+              <a:t>8/26/20</a:t>
             </a:fld>
             <a:endParaRPr lang="en-US"/>
           </a:p>
@@ -1951,7 +1956,7 @@
           <a:p>
             <a:fld id="{66915F3F-E69E-C447-A4BF-D6AE249D50F7}" type="datetimeFigureOut">
               <a:rPr lang="en-US" smtClean="0"/>
-              <a:t>8/25/20</a:t>
+              <a:t>8/26/20</a:t>
             </a:fld>
             <a:endParaRPr lang="en-US"/>
           </a:p>
@@ -2064,7 +2069,7 @@
           <a:p>
             <a:fld id="{66915F3F-E69E-C447-A4BF-D6AE249D50F7}" type="datetimeFigureOut">
               <a:rPr lang="en-US" smtClean="0"/>
-              <a:t>8/25/20</a:t>
+              <a:t>8/26/20</a:t>
             </a:fld>
             <a:endParaRPr lang="en-US"/>
           </a:p>
@@ -2375,7 +2380,7 @@
           <a:p>
             <a:fld id="{66915F3F-E69E-C447-A4BF-D6AE249D50F7}" type="datetimeFigureOut">
               <a:rPr lang="en-US" smtClean="0"/>
-              <a:t>8/25/20</a:t>
+              <a:t>8/26/20</a:t>
             </a:fld>
             <a:endParaRPr lang="en-US"/>
           </a:p>
@@ -2663,7 +2668,7 @@
           <a:p>
             <a:fld id="{66915F3F-E69E-C447-A4BF-D6AE249D50F7}" type="datetimeFigureOut">
               <a:rPr lang="en-US" smtClean="0"/>
-              <a:t>8/25/20</a:t>
+              <a:t>8/26/20</a:t>
             </a:fld>
             <a:endParaRPr lang="en-US"/>
           </a:p>
@@ -2904,7 +2909,7 @@
           <a:p>
             <a:fld id="{66915F3F-E69E-C447-A4BF-D6AE249D50F7}" type="datetimeFigureOut">
               <a:rPr lang="en-US" smtClean="0"/>
-              <a:t>8/25/20</a:t>
+              <a:t>8/26/20</a:t>
             </a:fld>
             <a:endParaRPr lang="en-US"/>
           </a:p>
@@ -3323,6 +3328,116 @@
       </p:grpSpPr>
       <p:sp>
         <p:nvSpPr>
+          <p:cNvPr id="79" name="Line 15">
+            <a:extLst>
+              <a:ext uri="{FF2B5EF4-FFF2-40B4-BE49-F238E27FC236}">
+                <a16:creationId xmlns:a16="http://schemas.microsoft.com/office/drawing/2014/main" id="{F27307B4-526C-4540-BFB4-F2823492F9A5}"/>
+              </a:ext>
+            </a:extLst>
+          </p:cNvPr>
+          <p:cNvSpPr>
+            <a:spLocks noChangeShapeType="1"/>
+          </p:cNvSpPr>
+          <p:nvPr/>
+        </p:nvSpPr>
+        <p:spPr bwMode="auto">
+          <a:xfrm flipV="1">
+            <a:off x="354013" y="4505325"/>
+            <a:ext cx="4762" cy="1900238"/>
+          </a:xfrm>
+          <a:prstGeom prst="line">
+            <a:avLst/>
+          </a:prstGeom>
+          <a:noFill/>
+          <a:ln w="9525">
+            <a:solidFill>
+              <a:srgbClr val="000000"/>
+            </a:solidFill>
+            <a:prstDash val="dash"/>
+            <a:round/>
+            <a:headEnd/>
+            <a:tailEnd/>
+          </a:ln>
+          <a:extLst>
+            <a:ext uri="{909E8E84-426E-40DD-AFC4-6F175D3DCCD1}">
+              <a14:hiddenFill xmlns:a14="http://schemas.microsoft.com/office/drawing/2010/main">
+                <a:noFill/>
+              </a14:hiddenFill>
+            </a:ext>
+          </a:extLst>
+        </p:spPr>
+        <p:txBody>
+          <a:bodyPr vert="horz" wrap="square" lIns="91440" tIns="45720" rIns="91440" bIns="45720" numCol="1" anchor="t" anchorCtr="0" compatLnSpc="1">
+            <a:prstTxWarp prst="textNoShape">
+              <a:avLst/>
+            </a:prstTxWarp>
+          </a:bodyPr>
+          <a:lstStyle/>
+          <a:p>
+            <a:endParaRPr lang="en-US">
+              <a:latin typeface="Times New Roman" panose="02020603050405020304" pitchFamily="18" charset="0"/>
+              <a:cs typeface="Times New Roman" panose="02020603050405020304" pitchFamily="18" charset="0"/>
+            </a:endParaRPr>
+          </a:p>
+        </p:txBody>
+      </p:sp>
+      <p:sp>
+        <p:nvSpPr>
+          <p:cNvPr id="51" name="Line 43">
+            <a:extLst>
+              <a:ext uri="{FF2B5EF4-FFF2-40B4-BE49-F238E27FC236}">
+                <a16:creationId xmlns:a16="http://schemas.microsoft.com/office/drawing/2014/main" id="{0655CE3B-E2F7-DA43-A31E-0F624F88D991}"/>
+              </a:ext>
+            </a:extLst>
+          </p:cNvPr>
+          <p:cNvSpPr>
+            <a:spLocks noChangeShapeType="1"/>
+          </p:cNvSpPr>
+          <p:nvPr/>
+        </p:nvSpPr>
+        <p:spPr bwMode="auto">
+          <a:xfrm flipV="1">
+            <a:off x="473075" y="942975"/>
+            <a:ext cx="4763" cy="1544638"/>
+          </a:xfrm>
+          <a:prstGeom prst="line">
+            <a:avLst/>
+          </a:prstGeom>
+          <a:noFill/>
+          <a:ln w="9525">
+            <a:solidFill>
+              <a:srgbClr val="000000"/>
+            </a:solidFill>
+            <a:prstDash val="dash"/>
+            <a:round/>
+            <a:headEnd/>
+            <a:tailEnd/>
+          </a:ln>
+          <a:extLst>
+            <a:ext uri="{909E8E84-426E-40DD-AFC4-6F175D3DCCD1}">
+              <a14:hiddenFill xmlns:a14="http://schemas.microsoft.com/office/drawing/2010/main">
+                <a:noFill/>
+              </a14:hiddenFill>
+            </a:ext>
+          </a:extLst>
+        </p:spPr>
+        <p:txBody>
+          <a:bodyPr vert="horz" wrap="square" lIns="91440" tIns="45720" rIns="91440" bIns="45720" numCol="1" anchor="t" anchorCtr="0" compatLnSpc="1">
+            <a:prstTxWarp prst="textNoShape">
+              <a:avLst/>
+            </a:prstTxWarp>
+          </a:bodyPr>
+          <a:lstStyle/>
+          <a:p>
+            <a:endParaRPr lang="en-US">
+              <a:latin typeface="Times New Roman" panose="02020603050405020304" pitchFamily="18" charset="0"/>
+              <a:cs typeface="Times New Roman" panose="02020603050405020304" pitchFamily="18" charset="0"/>
+            </a:endParaRPr>
+          </a:p>
+        </p:txBody>
+      </p:sp>
+      <p:sp>
+        <p:nvSpPr>
           <p:cNvPr id="30" name="Rectangle 67">
             <a:extLst>
               <a:ext uri="{FF2B5EF4-FFF2-40B4-BE49-F238E27FC236}">
@@ -3365,7 +3480,10 @@
           </a:bodyPr>
           <a:lstStyle/>
           <a:p>
-            <a:endParaRPr lang="en-US"/>
+            <a:endParaRPr lang="en-US">
+              <a:latin typeface="Times New Roman" panose="02020603050405020304" pitchFamily="18" charset="0"/>
+              <a:cs typeface="Times New Roman" panose="02020603050405020304" pitchFamily="18" charset="0"/>
+            </a:endParaRPr>
           </a:p>
         </p:txBody>
       </p:sp>
@@ -3443,8 +3561,9 @@
                   <a:schemeClr val="tx1"/>
                 </a:solidFill>
                 <a:effectLst/>
-                <a:latin typeface="Arial" panose="020B0604020202020204" pitchFamily="34" charset="0"/>
+                <a:latin typeface="Times New Roman" panose="02020603050405020304" pitchFamily="18" charset="0"/>
                 <a:ea typeface="Times New Roman" panose="02020603050405020304" pitchFamily="18" charset="0"/>
+                <a:cs typeface="Times New Roman" panose="02020603050405020304" pitchFamily="18" charset="0"/>
               </a:rPr>
               <a:t>Community A: I&amp;R Gateway</a:t>
             </a:r>
@@ -3456,7 +3575,8 @@
                 <a:schemeClr val="tx1"/>
               </a:solidFill>
               <a:effectLst/>
-              <a:latin typeface="Arial" panose="020B0604020202020204" pitchFamily="34" charset="0"/>
+              <a:latin typeface="Times New Roman" panose="02020603050405020304" pitchFamily="18" charset="0"/>
+              <a:cs typeface="Times New Roman" panose="02020603050405020304" pitchFamily="18" charset="0"/>
             </a:endParaRPr>
           </a:p>
         </p:txBody>
@@ -3509,7 +3629,10 @@
           </a:bodyPr>
           <a:lstStyle/>
           <a:p>
-            <a:endParaRPr lang="en-US"/>
+            <a:endParaRPr lang="en-US">
+              <a:latin typeface="Times New Roman" panose="02020603050405020304" pitchFamily="18" charset="0"/>
+              <a:cs typeface="Times New Roman" panose="02020603050405020304" pitchFamily="18" charset="0"/>
+            </a:endParaRPr>
           </a:p>
         </p:txBody>
       </p:sp>
@@ -3587,8 +3710,9 @@
                   <a:schemeClr val="tx1"/>
                 </a:solidFill>
                 <a:effectLst/>
-                <a:latin typeface="Arial" panose="020B0604020202020204" pitchFamily="34" charset="0"/>
+                <a:latin typeface="Times New Roman" panose="02020603050405020304" pitchFamily="18" charset="0"/>
                 <a:ea typeface="Times New Roman" panose="02020603050405020304" pitchFamily="18" charset="0"/>
+                <a:cs typeface="Times New Roman" panose="02020603050405020304" pitchFamily="18" charset="0"/>
               </a:rPr>
               <a:t>Community B:</a:t>
             </a:r>
@@ -3600,7 +3724,8 @@
                 <a:schemeClr val="tx1"/>
               </a:solidFill>
               <a:effectLst/>
-              <a:latin typeface="Arial" panose="020B0604020202020204" pitchFamily="34" charset="0"/>
+              <a:latin typeface="Times New Roman" panose="02020603050405020304" pitchFamily="18" charset="0"/>
+              <a:cs typeface="Times New Roman" panose="02020603050405020304" pitchFamily="18" charset="0"/>
             </a:endParaRPr>
           </a:p>
           <a:p>
@@ -3629,8 +3754,9 @@
                   <a:schemeClr val="tx1"/>
                 </a:solidFill>
                 <a:effectLst/>
-                <a:latin typeface="Arial" panose="020B0604020202020204" pitchFamily="34" charset="0"/>
+                <a:latin typeface="Times New Roman" panose="02020603050405020304" pitchFamily="18" charset="0"/>
                 <a:ea typeface="Times New Roman" panose="02020603050405020304" pitchFamily="18" charset="0"/>
+                <a:cs typeface="Times New Roman" panose="02020603050405020304" pitchFamily="18" charset="0"/>
               </a:rPr>
               <a:t>Consumer</a:t>
             </a:r>
@@ -3642,7 +3768,8 @@
                 <a:schemeClr val="tx1"/>
               </a:solidFill>
               <a:effectLst/>
-              <a:latin typeface="Arial" panose="020B0604020202020204" pitchFamily="34" charset="0"/>
+              <a:latin typeface="Times New Roman" panose="02020603050405020304" pitchFamily="18" charset="0"/>
+              <a:cs typeface="Times New Roman" panose="02020603050405020304" pitchFamily="18" charset="0"/>
             </a:endParaRPr>
           </a:p>
         </p:txBody>
@@ -3695,7 +3822,10 @@
           </a:bodyPr>
           <a:lstStyle/>
           <a:p>
-            <a:endParaRPr lang="en-US"/>
+            <a:endParaRPr lang="en-US">
+              <a:latin typeface="Times New Roman" panose="02020603050405020304" pitchFamily="18" charset="0"/>
+              <a:cs typeface="Times New Roman" panose="02020603050405020304" pitchFamily="18" charset="0"/>
+            </a:endParaRPr>
           </a:p>
         </p:txBody>
       </p:sp>
@@ -3741,7 +3871,10 @@
           </a:bodyPr>
           <a:lstStyle/>
           <a:p>
-            <a:endParaRPr lang="en-US"/>
+            <a:endParaRPr lang="en-US">
+              <a:latin typeface="Times New Roman" panose="02020603050405020304" pitchFamily="18" charset="0"/>
+              <a:cs typeface="Times New Roman" panose="02020603050405020304" pitchFamily="18" charset="0"/>
+            </a:endParaRPr>
           </a:p>
         </p:txBody>
       </p:sp>
@@ -3793,7 +3926,10 @@
           </a:bodyPr>
           <a:lstStyle/>
           <a:p>
-            <a:endParaRPr lang="en-US"/>
+            <a:endParaRPr lang="en-US">
+              <a:latin typeface="Times New Roman" panose="02020603050405020304" pitchFamily="18" charset="0"/>
+              <a:cs typeface="Times New Roman" panose="02020603050405020304" pitchFamily="18" charset="0"/>
+            </a:endParaRPr>
           </a:p>
         </p:txBody>
       </p:sp>
@@ -3813,7 +3949,7 @@
         </p:nvSpPr>
         <p:spPr bwMode="auto">
           <a:xfrm>
-            <a:off x="5340350" y="1300163"/>
+            <a:off x="5412920" y="1300163"/>
             <a:ext cx="788988" cy="660400"/>
           </a:xfrm>
           <a:prstGeom prst="rect">
@@ -3871,12 +4007,28 @@
                   <a:schemeClr val="tx1"/>
                 </a:solidFill>
                 <a:effectLst/>
-                <a:latin typeface="Arial" panose="020B0604020202020204" pitchFamily="34" charset="0"/>
+                <a:latin typeface="Times New Roman" panose="02020603050405020304" pitchFamily="18" charset="0"/>
                 <a:ea typeface="Times New Roman" panose="02020603050405020304" pitchFamily="18" charset="0"/>
+                <a:cs typeface="Times New Roman" panose="02020603050405020304" pitchFamily="18" charset="0"/>
               </a:rPr>
-              <a:t> 4. Consult local MPI AND Save A’s identifier</a:t>
-            </a:r>
-            <a:endParaRPr kumimoji="0" lang="en-US" altLang="en-US" sz="1800" b="0" i="0" u="none" strike="noStrike" cap="none" normalizeH="0" baseline="0">
+              <a:t> 4. </a:t>
+            </a:r>
+            <a:r>
+              <a:rPr kumimoji="0" lang="en-US" altLang="en-US" sz="1000" b="0" i="1" u="none" strike="noStrike" cap="none" normalizeH="0" baseline="0" dirty="0">
+                <a:ln>
+                  <a:noFill/>
+                </a:ln>
+                <a:solidFill>
+                  <a:schemeClr val="tx1"/>
+                </a:solidFill>
+                <a:effectLst/>
+                <a:latin typeface="Times New Roman" panose="02020603050405020304" pitchFamily="18" charset="0"/>
+                <a:ea typeface="Times New Roman" panose="02020603050405020304" pitchFamily="18" charset="0"/>
+                <a:cs typeface="Times New Roman" panose="02020603050405020304" pitchFamily="18" charset="0"/>
+              </a:rPr>
+              <a:t>Consult local MPI AND Save A’s identifier</a:t>
+            </a:r>
+            <a:endParaRPr kumimoji="0" lang="en-US" altLang="en-US" sz="1800" b="0" i="0" u="none" strike="noStrike" cap="none" normalizeH="0" baseline="0" dirty="0">
               <a:ln>
                 <a:noFill/>
               </a:ln>
@@ -3884,7 +4036,8 @@
                 <a:schemeClr val="tx1"/>
               </a:solidFill>
               <a:effectLst/>
-              <a:latin typeface="Arial" panose="020B0604020202020204" pitchFamily="34" charset="0"/>
+              <a:latin typeface="Times New Roman" panose="02020603050405020304" pitchFamily="18" charset="0"/>
+              <a:cs typeface="Times New Roman" panose="02020603050405020304" pitchFamily="18" charset="0"/>
             </a:endParaRPr>
           </a:p>
         </p:txBody>
@@ -3963,8 +4116,9 @@
                   <a:schemeClr val="tx1"/>
                 </a:solidFill>
                 <a:effectLst/>
-                <a:latin typeface="Arial" panose="020B0604020202020204" pitchFamily="34" charset="0"/>
+                <a:latin typeface="Times New Roman" panose="02020603050405020304" pitchFamily="18" charset="0"/>
                 <a:ea typeface="Times New Roman" panose="02020603050405020304" pitchFamily="18" charset="0"/>
+                <a:cs typeface="Times New Roman" panose="02020603050405020304" pitchFamily="18" charset="0"/>
               </a:rPr>
               <a:t>  10. XCA Cross Gateway Query</a:t>
             </a:r>
@@ -3976,7 +4130,8 @@
                 <a:schemeClr val="tx1"/>
               </a:solidFill>
               <a:effectLst/>
-              <a:latin typeface="Arial" panose="020B0604020202020204" pitchFamily="34" charset="0"/>
+              <a:latin typeface="Times New Roman" panose="02020603050405020304" pitchFamily="18" charset="0"/>
+              <a:cs typeface="Times New Roman" panose="02020603050405020304" pitchFamily="18" charset="0"/>
             </a:endParaRPr>
           </a:p>
         </p:txBody>
@@ -4028,7 +4183,10 @@
           </a:bodyPr>
           <a:lstStyle/>
           <a:p>
-            <a:endParaRPr lang="en-US"/>
+            <a:endParaRPr lang="en-US">
+              <a:latin typeface="Times New Roman" panose="02020603050405020304" pitchFamily="18" charset="0"/>
+              <a:cs typeface="Times New Roman" panose="02020603050405020304" pitchFamily="18" charset="0"/>
+            </a:endParaRPr>
           </a:p>
         </p:txBody>
       </p:sp>
@@ -4079,7 +4237,10 @@
           </a:bodyPr>
           <a:lstStyle/>
           <a:p>
-            <a:endParaRPr lang="en-US"/>
+            <a:endParaRPr lang="en-US">
+              <a:latin typeface="Times New Roman" panose="02020603050405020304" pitchFamily="18" charset="0"/>
+              <a:cs typeface="Times New Roman" panose="02020603050405020304" pitchFamily="18" charset="0"/>
+            </a:endParaRPr>
           </a:p>
         </p:txBody>
       </p:sp>
@@ -4162,8 +4323,9 @@
                   <a:schemeClr val="tx1"/>
                 </a:solidFill>
                 <a:effectLst/>
-                <a:latin typeface="Arial" panose="020B0604020202020204" pitchFamily="34" charset="0"/>
+                <a:latin typeface="Times New Roman" panose="02020603050405020304" pitchFamily="18" charset="0"/>
                 <a:ea typeface="Times New Roman" panose="02020603050405020304" pitchFamily="18" charset="0"/>
+                <a:cs typeface="Times New Roman" panose="02020603050405020304" pitchFamily="18" charset="0"/>
               </a:rPr>
               <a:t> 5. XCA Cross Gateway Query</a:t>
             </a:r>
@@ -4175,7 +4337,8 @@
                 <a:schemeClr val="tx1"/>
               </a:solidFill>
               <a:effectLst/>
-              <a:latin typeface="Arial" panose="020B0604020202020204" pitchFamily="34" charset="0"/>
+              <a:latin typeface="Times New Roman" panose="02020603050405020304" pitchFamily="18" charset="0"/>
+              <a:cs typeface="Times New Roman" panose="02020603050405020304" pitchFamily="18" charset="0"/>
             </a:endParaRPr>
           </a:p>
         </p:txBody>
@@ -4203,7 +4366,7 @@
             <a:avLst/>
           </a:prstGeom>
           <a:solidFill>
-            <a:srgbClr val="FFFFFF"/>
+            <a:schemeClr val="bg1"/>
           </a:solidFill>
           <a:ln w="9525">
             <a:solidFill>
@@ -4222,7 +4385,10 @@
           </a:bodyPr>
           <a:lstStyle/>
           <a:p>
-            <a:endParaRPr lang="en-US"/>
+            <a:endParaRPr lang="en-US">
+              <a:latin typeface="Times New Roman" panose="02020603050405020304" pitchFamily="18" charset="0"/>
+              <a:cs typeface="Times New Roman" panose="02020603050405020304" pitchFamily="18" charset="0"/>
+            </a:endParaRPr>
           </a:p>
         </p:txBody>
       </p:sp>
@@ -4273,7 +4439,10 @@
           </a:bodyPr>
           <a:lstStyle/>
           <a:p>
-            <a:endParaRPr lang="en-US"/>
+            <a:endParaRPr lang="en-US">
+              <a:latin typeface="Times New Roman" panose="02020603050405020304" pitchFamily="18" charset="0"/>
+              <a:cs typeface="Times New Roman" panose="02020603050405020304" pitchFamily="18" charset="0"/>
+            </a:endParaRPr>
           </a:p>
         </p:txBody>
       </p:sp>
@@ -4324,7 +4493,10 @@
           </a:bodyPr>
           <a:lstStyle/>
           <a:p>
-            <a:endParaRPr lang="en-US"/>
+            <a:endParaRPr lang="en-US">
+              <a:latin typeface="Times New Roman" panose="02020603050405020304" pitchFamily="18" charset="0"/>
+              <a:cs typeface="Times New Roman" panose="02020603050405020304" pitchFamily="18" charset="0"/>
+            </a:endParaRPr>
           </a:p>
         </p:txBody>
       </p:sp>
@@ -4344,7 +4516,7 @@
         </p:nvSpPr>
         <p:spPr bwMode="auto">
           <a:xfrm>
-            <a:off x="590550" y="942975"/>
+            <a:off x="619578" y="942975"/>
             <a:ext cx="831850" cy="219075"/>
           </a:xfrm>
           <a:prstGeom prst="rect">
@@ -4394,7 +4566,7 @@
               <a:tabLst/>
             </a:pPr>
             <a:r>
-              <a:rPr kumimoji="0" lang="en-US" altLang="en-US" sz="1000" b="0" i="0" u="none" strike="noStrike" cap="none" normalizeH="0" baseline="0">
+              <a:rPr kumimoji="0" lang="en-US" altLang="en-US" sz="1000" b="0" i="0" u="none" strike="noStrike" cap="none" normalizeH="0" baseline="0" dirty="0">
                 <a:ln>
                   <a:noFill/>
                 </a:ln>
@@ -4402,12 +4574,13 @@
                   <a:schemeClr val="tx1"/>
                 </a:solidFill>
                 <a:effectLst/>
-                <a:latin typeface="Arial" panose="020B0604020202020204" pitchFamily="34" charset="0"/>
+                <a:latin typeface="Times New Roman" panose="02020603050405020304" pitchFamily="18" charset="0"/>
                 <a:ea typeface="Times New Roman" panose="02020603050405020304" pitchFamily="18" charset="0"/>
+                <a:cs typeface="Times New Roman" panose="02020603050405020304" pitchFamily="18" charset="0"/>
               </a:rPr>
               <a:t> 1. Patient Feed</a:t>
             </a:r>
-            <a:endParaRPr kumimoji="0" lang="en-US" altLang="en-US" sz="1800" b="0" i="0" u="none" strike="noStrike" cap="none" normalizeH="0" baseline="0">
+            <a:endParaRPr kumimoji="0" lang="en-US" altLang="en-US" sz="1800" b="0" i="0" u="none" strike="noStrike" cap="none" normalizeH="0" baseline="0" dirty="0">
               <a:ln>
                 <a:noFill/>
               </a:ln>
@@ -4415,7 +4588,8 @@
                 <a:schemeClr val="tx1"/>
               </a:solidFill>
               <a:effectLst/>
-              <a:latin typeface="Arial" panose="020B0604020202020204" pitchFamily="34" charset="0"/>
+              <a:latin typeface="Times New Roman" panose="02020603050405020304" pitchFamily="18" charset="0"/>
+              <a:cs typeface="Times New Roman" panose="02020603050405020304" pitchFamily="18" charset="0"/>
             </a:endParaRPr>
           </a:p>
         </p:txBody>
@@ -4494,8 +4668,9 @@
                   <a:schemeClr val="tx1"/>
                 </a:solidFill>
                 <a:effectLst/>
-                <a:latin typeface="Arial" panose="020B0604020202020204" pitchFamily="34" charset="0"/>
+                <a:latin typeface="Times New Roman" panose="02020603050405020304" pitchFamily="18" charset="0"/>
                 <a:ea typeface="Times New Roman" panose="02020603050405020304" pitchFamily="18" charset="0"/>
+                <a:cs typeface="Times New Roman" panose="02020603050405020304" pitchFamily="18" charset="0"/>
               </a:rPr>
               <a:t> 2.Cross Gateway Patient Discovery</a:t>
             </a:r>
@@ -4507,7 +4682,8 @@
                 <a:schemeClr val="tx1"/>
               </a:solidFill>
               <a:effectLst/>
-              <a:latin typeface="Arial" panose="020B0604020202020204" pitchFamily="34" charset="0"/>
+              <a:latin typeface="Times New Roman" panose="02020603050405020304" pitchFamily="18" charset="0"/>
+              <a:cs typeface="Times New Roman" panose="02020603050405020304" pitchFamily="18" charset="0"/>
             </a:endParaRPr>
           </a:p>
         </p:txBody>
@@ -4586,8 +4762,9 @@
                   <a:schemeClr val="tx1"/>
                 </a:solidFill>
                 <a:effectLst/>
-                <a:latin typeface="Arial" panose="020B0604020202020204" pitchFamily="34" charset="0"/>
+                <a:latin typeface="Times New Roman" panose="02020603050405020304" pitchFamily="18" charset="0"/>
                 <a:ea typeface="Times New Roman" panose="02020603050405020304" pitchFamily="18" charset="0"/>
+                <a:cs typeface="Times New Roman" panose="02020603050405020304" pitchFamily="18" charset="0"/>
               </a:rPr>
               <a:t>Community A: </a:t>
             </a:r>
@@ -4599,7 +4776,8 @@
                 <a:schemeClr val="tx1"/>
               </a:solidFill>
               <a:effectLst/>
-              <a:latin typeface="Arial" panose="020B0604020202020204" pitchFamily="34" charset="0"/>
+              <a:latin typeface="Times New Roman" panose="02020603050405020304" pitchFamily="18" charset="0"/>
+              <a:cs typeface="Times New Roman" panose="02020603050405020304" pitchFamily="18" charset="0"/>
             </a:endParaRPr>
           </a:p>
           <a:p>
@@ -4628,8 +4806,9 @@
                   <a:schemeClr val="tx1"/>
                 </a:solidFill>
                 <a:effectLst/>
-                <a:latin typeface="Arial" panose="020B0604020202020204" pitchFamily="34" charset="0"/>
+                <a:latin typeface="Times New Roman" panose="02020603050405020304" pitchFamily="18" charset="0"/>
                 <a:ea typeface="Times New Roman" panose="02020603050405020304" pitchFamily="18" charset="0"/>
+                <a:cs typeface="Times New Roman" panose="02020603050405020304" pitchFamily="18" charset="0"/>
               </a:rPr>
               <a:t>Registration</a:t>
             </a:r>
@@ -4641,7 +4820,8 @@
                 <a:schemeClr val="tx1"/>
               </a:solidFill>
               <a:effectLst/>
-              <a:latin typeface="Arial" panose="020B0604020202020204" pitchFamily="34" charset="0"/>
+              <a:latin typeface="Times New Roman" panose="02020603050405020304" pitchFamily="18" charset="0"/>
+              <a:cs typeface="Times New Roman" panose="02020603050405020304" pitchFamily="18" charset="0"/>
             </a:endParaRPr>
           </a:p>
         </p:txBody>
@@ -4720,8 +4900,9 @@
                   <a:schemeClr val="tx1"/>
                 </a:solidFill>
                 <a:effectLst/>
-                <a:latin typeface="Arial" panose="020B0604020202020204" pitchFamily="34" charset="0"/>
+                <a:latin typeface="Times New Roman" panose="02020603050405020304" pitchFamily="18" charset="0"/>
                 <a:ea typeface="Times New Roman" panose="02020603050405020304" pitchFamily="18" charset="0"/>
+                <a:cs typeface="Times New Roman" panose="02020603050405020304" pitchFamily="18" charset="0"/>
               </a:rPr>
               <a:t>Community C: I&amp;R Gateway</a:t>
             </a:r>
@@ -4733,7 +4914,8 @@
                 <a:schemeClr val="tx1"/>
               </a:solidFill>
               <a:effectLst/>
-              <a:latin typeface="Arial" panose="020B0604020202020204" pitchFamily="34" charset="0"/>
+              <a:latin typeface="Times New Roman" panose="02020603050405020304" pitchFamily="18" charset="0"/>
+              <a:cs typeface="Times New Roman" panose="02020603050405020304" pitchFamily="18" charset="0"/>
             </a:endParaRPr>
           </a:p>
         </p:txBody>
@@ -4812,8 +4994,9 @@
                   <a:schemeClr val="tx1"/>
                 </a:solidFill>
                 <a:effectLst/>
-                <a:latin typeface="Arial" panose="020B0604020202020204" pitchFamily="34" charset="0"/>
+                <a:latin typeface="Times New Roman" panose="02020603050405020304" pitchFamily="18" charset="0"/>
                 <a:ea typeface="Times New Roman" panose="02020603050405020304" pitchFamily="18" charset="0"/>
+                <a:cs typeface="Times New Roman" panose="02020603050405020304" pitchFamily="18" charset="0"/>
               </a:rPr>
               <a:t>Community B:</a:t>
             </a:r>
@@ -4825,7 +5008,8 @@
                 <a:schemeClr val="tx1"/>
               </a:solidFill>
               <a:effectLst/>
-              <a:latin typeface="Arial" panose="020B0604020202020204" pitchFamily="34" charset="0"/>
+              <a:latin typeface="Times New Roman" panose="02020603050405020304" pitchFamily="18" charset="0"/>
+              <a:cs typeface="Times New Roman" panose="02020603050405020304" pitchFamily="18" charset="0"/>
             </a:endParaRPr>
           </a:p>
           <a:p>
@@ -4854,8 +5038,9 @@
                   <a:schemeClr val="tx1"/>
                 </a:solidFill>
                 <a:effectLst/>
-                <a:latin typeface="Arial" panose="020B0604020202020204" pitchFamily="34" charset="0"/>
+                <a:latin typeface="Times New Roman" panose="02020603050405020304" pitchFamily="18" charset="0"/>
                 <a:ea typeface="Times New Roman" panose="02020603050405020304" pitchFamily="18" charset="0"/>
+                <a:cs typeface="Times New Roman" panose="02020603050405020304" pitchFamily="18" charset="0"/>
               </a:rPr>
               <a:t>I&amp;R Gateway</a:t>
             </a:r>
@@ -4867,7 +5052,8 @@
                 <a:schemeClr val="tx1"/>
               </a:solidFill>
               <a:effectLst/>
-              <a:latin typeface="Arial" panose="020B0604020202020204" pitchFamily="34" charset="0"/>
+              <a:latin typeface="Times New Roman" panose="02020603050405020304" pitchFamily="18" charset="0"/>
+              <a:cs typeface="Times New Roman" panose="02020603050405020304" pitchFamily="18" charset="0"/>
             </a:endParaRPr>
           </a:p>
         </p:txBody>
@@ -4919,16 +5105,19 @@
           </a:bodyPr>
           <a:lstStyle/>
           <a:p>
-            <a:endParaRPr lang="en-US"/>
-          </a:p>
-        </p:txBody>
-      </p:sp>
-      <p:sp>
-        <p:nvSpPr>
-          <p:cNvPr id="51" name="Line 43">
-            <a:extLst>
-              <a:ext uri="{FF2B5EF4-FFF2-40B4-BE49-F238E27FC236}">
-                <a16:creationId xmlns:a16="http://schemas.microsoft.com/office/drawing/2014/main" id="{0655CE3B-E2F7-DA43-A31E-0F624F88D991}"/>
+            <a:endParaRPr lang="en-US">
+              <a:latin typeface="Times New Roman" panose="02020603050405020304" pitchFamily="18" charset="0"/>
+              <a:cs typeface="Times New Roman" panose="02020603050405020304" pitchFamily="18" charset="0"/>
+            </a:endParaRPr>
+          </a:p>
+        </p:txBody>
+      </p:sp>
+      <p:sp>
+        <p:nvSpPr>
+          <p:cNvPr id="52" name="Line 42">
+            <a:extLst>
+              <a:ext uri="{FF2B5EF4-FFF2-40B4-BE49-F238E27FC236}">
+                <a16:creationId xmlns:a16="http://schemas.microsoft.com/office/drawing/2014/main" id="{DD0F7C7E-1C28-AA44-B925-15223DC3DB15}"/>
               </a:ext>
             </a:extLst>
           </p:cNvPr>
@@ -4939,8 +5128,62 @@
         </p:nvSpPr>
         <p:spPr bwMode="auto">
           <a:xfrm flipV="1">
-            <a:off x="473075" y="942975"/>
-            <a:ext cx="4763" cy="1544638"/>
+            <a:off x="1660525" y="1419225"/>
+            <a:ext cx="2492375" cy="0"/>
+          </a:xfrm>
+          <a:prstGeom prst="line">
+            <a:avLst/>
+          </a:prstGeom>
+          <a:noFill/>
+          <a:ln w="9525">
+            <a:solidFill>
+              <a:srgbClr val="000000"/>
+            </a:solidFill>
+            <a:round/>
+            <a:headEnd/>
+            <a:tailEnd type="triangle" w="med" len="med"/>
+          </a:ln>
+          <a:extLst>
+            <a:ext uri="{909E8E84-426E-40DD-AFC4-6F175D3DCCD1}">
+              <a14:hiddenFill xmlns:a14="http://schemas.microsoft.com/office/drawing/2010/main">
+                <a:noFill/>
+              </a14:hiddenFill>
+            </a:ext>
+          </a:extLst>
+        </p:spPr>
+        <p:txBody>
+          <a:bodyPr vert="horz" wrap="square" lIns="91440" tIns="45720" rIns="91440" bIns="45720" numCol="1" anchor="t" anchorCtr="0" compatLnSpc="1">
+            <a:prstTxWarp prst="textNoShape">
+              <a:avLst/>
+            </a:prstTxWarp>
+          </a:bodyPr>
+          <a:lstStyle/>
+          <a:p>
+            <a:endParaRPr lang="en-US">
+              <a:latin typeface="Times New Roman" panose="02020603050405020304" pitchFamily="18" charset="0"/>
+              <a:cs typeface="Times New Roman" panose="02020603050405020304" pitchFamily="18" charset="0"/>
+            </a:endParaRPr>
+          </a:p>
+        </p:txBody>
+      </p:sp>
+      <p:sp>
+        <p:nvSpPr>
+          <p:cNvPr id="53" name="Line 41">
+            <a:extLst>
+              <a:ext uri="{FF2B5EF4-FFF2-40B4-BE49-F238E27FC236}">
+                <a16:creationId xmlns:a16="http://schemas.microsoft.com/office/drawing/2014/main" id="{1B437105-AA1F-C943-9B03-2F81D82B40B1}"/>
+              </a:ext>
+            </a:extLst>
+          </p:cNvPr>
+          <p:cNvSpPr>
+            <a:spLocks noChangeShapeType="1"/>
+          </p:cNvSpPr>
+          <p:nvPr/>
+        </p:nvSpPr>
+        <p:spPr bwMode="auto">
+          <a:xfrm flipV="1">
+            <a:off x="4152900" y="942975"/>
+            <a:ext cx="0" cy="5226050"/>
           </a:xfrm>
           <a:prstGeom prst="line">
             <a:avLst/>
@@ -4971,16 +5214,19 @@
           </a:bodyPr>
           <a:lstStyle/>
           <a:p>
-            <a:endParaRPr lang="en-US"/>
-          </a:p>
-        </p:txBody>
-      </p:sp>
-      <p:sp>
-        <p:nvSpPr>
-          <p:cNvPr id="52" name="Line 42">
-            <a:extLst>
-              <a:ext uri="{FF2B5EF4-FFF2-40B4-BE49-F238E27FC236}">
-                <a16:creationId xmlns:a16="http://schemas.microsoft.com/office/drawing/2014/main" id="{DD0F7C7E-1C28-AA44-B925-15223DC3DB15}"/>
+            <a:endParaRPr lang="en-US">
+              <a:latin typeface="Times New Roman" panose="02020603050405020304" pitchFamily="18" charset="0"/>
+              <a:cs typeface="Times New Roman" panose="02020603050405020304" pitchFamily="18" charset="0"/>
+            </a:endParaRPr>
+          </a:p>
+        </p:txBody>
+      </p:sp>
+      <p:sp>
+        <p:nvSpPr>
+          <p:cNvPr id="54" name="Line 40">
+            <a:extLst>
+              <a:ext uri="{FF2B5EF4-FFF2-40B4-BE49-F238E27FC236}">
+                <a16:creationId xmlns:a16="http://schemas.microsoft.com/office/drawing/2014/main" id="{19A8EC51-DD77-0449-8A5C-2CEB50C95888}"/>
               </a:ext>
             </a:extLst>
           </p:cNvPr>
@@ -4990,9 +5236,9 @@
           <p:nvPr/>
         </p:nvSpPr>
         <p:spPr bwMode="auto">
-          <a:xfrm flipV="1">
-            <a:off x="1660525" y="1419225"/>
-            <a:ext cx="2492375" cy="0"/>
+          <a:xfrm>
+            <a:off x="1660525" y="2012950"/>
+            <a:ext cx="3679825" cy="0"/>
           </a:xfrm>
           <a:prstGeom prst="line">
             <a:avLst/>
@@ -5022,110 +5268,10 @@
           </a:bodyPr>
           <a:lstStyle/>
           <a:p>
-            <a:endParaRPr lang="en-US"/>
-          </a:p>
-        </p:txBody>
-      </p:sp>
-      <p:sp>
-        <p:nvSpPr>
-          <p:cNvPr id="53" name="Line 41">
-            <a:extLst>
-              <a:ext uri="{FF2B5EF4-FFF2-40B4-BE49-F238E27FC236}">
-                <a16:creationId xmlns:a16="http://schemas.microsoft.com/office/drawing/2014/main" id="{1B437105-AA1F-C943-9B03-2F81D82B40B1}"/>
-              </a:ext>
-            </a:extLst>
-          </p:cNvPr>
-          <p:cNvSpPr>
-            <a:spLocks noChangeShapeType="1"/>
-          </p:cNvSpPr>
-          <p:nvPr/>
-        </p:nvSpPr>
-        <p:spPr bwMode="auto">
-          <a:xfrm flipV="1">
-            <a:off x="4152900" y="942975"/>
-            <a:ext cx="0" cy="5226050"/>
-          </a:xfrm>
-          <a:prstGeom prst="line">
-            <a:avLst/>
-          </a:prstGeom>
-          <a:noFill/>
-          <a:ln w="9525">
-            <a:solidFill>
-              <a:srgbClr val="000000"/>
-            </a:solidFill>
-            <a:prstDash val="dash"/>
-            <a:round/>
-            <a:headEnd/>
-            <a:tailEnd/>
-          </a:ln>
-          <a:extLst>
-            <a:ext uri="{909E8E84-426E-40DD-AFC4-6F175D3DCCD1}">
-              <a14:hiddenFill xmlns:a14="http://schemas.microsoft.com/office/drawing/2010/main">
-                <a:noFill/>
-              </a14:hiddenFill>
-            </a:ext>
-          </a:extLst>
-        </p:spPr>
-        <p:txBody>
-          <a:bodyPr vert="horz" wrap="square" lIns="91440" tIns="45720" rIns="91440" bIns="45720" numCol="1" anchor="t" anchorCtr="0" compatLnSpc="1">
-            <a:prstTxWarp prst="textNoShape">
-              <a:avLst/>
-            </a:prstTxWarp>
-          </a:bodyPr>
-          <a:lstStyle/>
-          <a:p>
-            <a:endParaRPr lang="en-US"/>
-          </a:p>
-        </p:txBody>
-      </p:sp>
-      <p:sp>
-        <p:nvSpPr>
-          <p:cNvPr id="54" name="Line 40">
-            <a:extLst>
-              <a:ext uri="{FF2B5EF4-FFF2-40B4-BE49-F238E27FC236}">
-                <a16:creationId xmlns:a16="http://schemas.microsoft.com/office/drawing/2014/main" id="{19A8EC51-DD77-0449-8A5C-2CEB50C95888}"/>
-              </a:ext>
-            </a:extLst>
-          </p:cNvPr>
-          <p:cNvSpPr>
-            <a:spLocks noChangeShapeType="1"/>
-          </p:cNvSpPr>
-          <p:nvPr/>
-        </p:nvSpPr>
-        <p:spPr bwMode="auto">
-          <a:xfrm>
-            <a:off x="1660525" y="2012950"/>
-            <a:ext cx="3679825" cy="0"/>
-          </a:xfrm>
-          <a:prstGeom prst="line">
-            <a:avLst/>
-          </a:prstGeom>
-          <a:noFill/>
-          <a:ln w="9525">
-            <a:solidFill>
-              <a:srgbClr val="000000"/>
-            </a:solidFill>
-            <a:round/>
-            <a:headEnd/>
-            <a:tailEnd type="triangle" w="med" len="med"/>
-          </a:ln>
-          <a:extLst>
-            <a:ext uri="{909E8E84-426E-40DD-AFC4-6F175D3DCCD1}">
-              <a14:hiddenFill xmlns:a14="http://schemas.microsoft.com/office/drawing/2010/main">
-                <a:noFill/>
-              </a14:hiddenFill>
-            </a:ext>
-          </a:extLst>
-        </p:spPr>
-        <p:txBody>
-          <a:bodyPr vert="horz" wrap="square" lIns="91440" tIns="45720" rIns="91440" bIns="45720" numCol="1" anchor="t" anchorCtr="0" compatLnSpc="1">
-            <a:prstTxWarp prst="textNoShape">
-              <a:avLst/>
-            </a:prstTxWarp>
-          </a:bodyPr>
-          <a:lstStyle/>
-          <a:p>
-            <a:endParaRPr lang="en-US"/>
+            <a:endParaRPr lang="en-US">
+              <a:latin typeface="Times New Roman" panose="02020603050405020304" pitchFamily="18" charset="0"/>
+              <a:cs typeface="Times New Roman" panose="02020603050405020304" pitchFamily="18" charset="0"/>
+            </a:endParaRPr>
           </a:p>
         </p:txBody>
       </p:sp>
@@ -5203,8 +5349,9 @@
                   <a:schemeClr val="tx1"/>
                 </a:solidFill>
                 <a:effectLst/>
-                <a:latin typeface="Arial" panose="020B0604020202020204" pitchFamily="34" charset="0"/>
+                <a:latin typeface="Times New Roman" panose="02020603050405020304" pitchFamily="18" charset="0"/>
                 <a:ea typeface="Times New Roman" panose="02020603050405020304" pitchFamily="18" charset="0"/>
+                <a:cs typeface="Times New Roman" panose="02020603050405020304" pitchFamily="18" charset="0"/>
               </a:rPr>
               <a:t> 7.Cross Gateway Patient Discovery</a:t>
             </a:r>
@@ -5216,7 +5363,8 @@
                 <a:schemeClr val="tx1"/>
               </a:solidFill>
               <a:effectLst/>
-              <a:latin typeface="Arial" panose="020B0604020202020204" pitchFamily="34" charset="0"/>
+              <a:latin typeface="Times New Roman" panose="02020603050405020304" pitchFamily="18" charset="0"/>
+              <a:cs typeface="Times New Roman" panose="02020603050405020304" pitchFamily="18" charset="0"/>
             </a:endParaRPr>
           </a:p>
         </p:txBody>
@@ -5268,7 +5416,10 @@
           </a:bodyPr>
           <a:lstStyle/>
           <a:p>
-            <a:endParaRPr lang="en-US"/>
+            <a:endParaRPr lang="en-US">
+              <a:latin typeface="Times New Roman" panose="02020603050405020304" pitchFamily="18" charset="0"/>
+              <a:cs typeface="Times New Roman" panose="02020603050405020304" pitchFamily="18" charset="0"/>
+            </a:endParaRPr>
           </a:p>
         </p:txBody>
       </p:sp>
@@ -5319,7 +5470,10 @@
           </a:bodyPr>
           <a:lstStyle/>
           <a:p>
-            <a:endParaRPr lang="en-US"/>
+            <a:endParaRPr lang="en-US">
+              <a:latin typeface="Times New Roman" panose="02020603050405020304" pitchFamily="18" charset="0"/>
+              <a:cs typeface="Times New Roman" panose="02020603050405020304" pitchFamily="18" charset="0"/>
+            </a:endParaRPr>
           </a:p>
         </p:txBody>
       </p:sp>
@@ -5402,8 +5556,9 @@
                   <a:schemeClr val="tx1"/>
                 </a:solidFill>
                 <a:effectLst/>
-                <a:latin typeface="Arial" panose="020B0604020202020204" pitchFamily="34" charset="0"/>
+                <a:latin typeface="Times New Roman" panose="02020603050405020304" pitchFamily="18" charset="0"/>
                 <a:ea typeface="Times New Roman" panose="02020603050405020304" pitchFamily="18" charset="0"/>
+                <a:cs typeface="Times New Roman" panose="02020603050405020304" pitchFamily="18" charset="0"/>
               </a:rPr>
               <a:t> 6. XDS Registry Stored Query</a:t>
             </a:r>
@@ -5415,7 +5570,8 @@
                 <a:schemeClr val="tx1"/>
               </a:solidFill>
               <a:effectLst/>
-              <a:latin typeface="Arial" panose="020B0604020202020204" pitchFamily="34" charset="0"/>
+              <a:latin typeface="Times New Roman" panose="02020603050405020304" pitchFamily="18" charset="0"/>
+              <a:cs typeface="Times New Roman" panose="02020603050405020304" pitchFamily="18" charset="0"/>
             </a:endParaRPr>
           </a:p>
         </p:txBody>
@@ -5436,7 +5592,7 @@
         </p:nvSpPr>
         <p:spPr bwMode="auto">
           <a:xfrm>
-            <a:off x="4271963" y="2962275"/>
+            <a:off x="4271963" y="2928822"/>
             <a:ext cx="1068387" cy="338138"/>
           </a:xfrm>
           <a:prstGeom prst="rect">
@@ -5486,7 +5642,7 @@
               <a:tabLst/>
             </a:pPr>
             <a:r>
-              <a:rPr kumimoji="0" lang="en-US" altLang="en-US" sz="1000" b="0" i="0" u="none" strike="noStrike" cap="none" normalizeH="0" baseline="0">
+              <a:rPr kumimoji="0" lang="en-US" altLang="en-US" sz="1000" b="0" i="0" u="none" strike="noStrike" cap="none" normalizeH="0" baseline="0" dirty="0">
                 <a:ln>
                   <a:noFill/>
                 </a:ln>
@@ -5494,12 +5650,13 @@
                   <a:schemeClr val="tx1"/>
                 </a:solidFill>
                 <a:effectLst/>
-                <a:latin typeface="Arial" panose="020B0604020202020204" pitchFamily="34" charset="0"/>
+                <a:latin typeface="Times New Roman" panose="02020603050405020304" pitchFamily="18" charset="0"/>
                 <a:ea typeface="Times New Roman" panose="02020603050405020304" pitchFamily="18" charset="0"/>
+                <a:cs typeface="Times New Roman" panose="02020603050405020304" pitchFamily="18" charset="0"/>
               </a:rPr>
               <a:t> 8.Cross Gateway Patient Discovery</a:t>
             </a:r>
-            <a:endParaRPr kumimoji="0" lang="en-US" altLang="en-US" sz="1800" b="0" i="0" u="none" strike="noStrike" cap="none" normalizeH="0" baseline="0">
+            <a:endParaRPr kumimoji="0" lang="en-US" altLang="en-US" sz="1800" b="0" i="0" u="none" strike="noStrike" cap="none" normalizeH="0" baseline="0" dirty="0">
               <a:ln>
                 <a:noFill/>
               </a:ln>
@@ -5507,7 +5664,8 @@
                 <a:schemeClr val="tx1"/>
               </a:solidFill>
               <a:effectLst/>
-              <a:latin typeface="Arial" panose="020B0604020202020204" pitchFamily="34" charset="0"/>
+              <a:latin typeface="Times New Roman" panose="02020603050405020304" pitchFamily="18" charset="0"/>
+              <a:cs typeface="Times New Roman" panose="02020603050405020304" pitchFamily="18" charset="0"/>
             </a:endParaRPr>
           </a:p>
         </p:txBody>
@@ -5554,7 +5712,10 @@
           </a:bodyPr>
           <a:lstStyle/>
           <a:p>
-            <a:endParaRPr lang="en-US"/>
+            <a:endParaRPr lang="en-US">
+              <a:latin typeface="Times New Roman" panose="02020603050405020304" pitchFamily="18" charset="0"/>
+              <a:cs typeface="Times New Roman" panose="02020603050405020304" pitchFamily="18" charset="0"/>
+            </a:endParaRPr>
           </a:p>
         </p:txBody>
       </p:sp>
@@ -5600,7 +5761,10 @@
           </a:bodyPr>
           <a:lstStyle/>
           <a:p>
-            <a:endParaRPr lang="en-US"/>
+            <a:endParaRPr lang="en-US">
+              <a:latin typeface="Times New Roman" panose="02020603050405020304" pitchFamily="18" charset="0"/>
+              <a:cs typeface="Times New Roman" panose="02020603050405020304" pitchFamily="18" charset="0"/>
+            </a:endParaRPr>
           </a:p>
         </p:txBody>
       </p:sp>
@@ -5651,7 +5815,10 @@
           </a:bodyPr>
           <a:lstStyle/>
           <a:p>
-            <a:endParaRPr lang="en-US"/>
+            <a:endParaRPr lang="en-US">
+              <a:latin typeface="Times New Roman" panose="02020603050405020304" pitchFamily="18" charset="0"/>
+              <a:cs typeface="Times New Roman" panose="02020603050405020304" pitchFamily="18" charset="0"/>
+            </a:endParaRPr>
           </a:p>
         </p:txBody>
       </p:sp>
@@ -5671,7 +5838,7 @@
         </p:nvSpPr>
         <p:spPr bwMode="auto">
           <a:xfrm>
-            <a:off x="4271963" y="3556000"/>
+            <a:off x="4344533" y="3556000"/>
             <a:ext cx="935037" cy="304800"/>
           </a:xfrm>
           <a:prstGeom prst="rect">
@@ -5721,7 +5888,7 @@
               <a:tabLst/>
             </a:pPr>
             <a:r>
-              <a:rPr kumimoji="0" lang="en-US" altLang="en-US" sz="1000" b="0" i="0" u="none" strike="noStrike" cap="none" normalizeH="0" baseline="0">
+              <a:rPr kumimoji="0" lang="en-US" altLang="en-US" sz="1000" b="0" i="0" u="none" strike="noStrike" cap="none" normalizeH="0" baseline="0" dirty="0">
                 <a:ln>
                   <a:noFill/>
                 </a:ln>
@@ -5729,12 +5896,13 @@
                   <a:schemeClr val="tx1"/>
                 </a:solidFill>
                 <a:effectLst/>
-                <a:latin typeface="Arial" panose="020B0604020202020204" pitchFamily="34" charset="0"/>
+                <a:latin typeface="Times New Roman" panose="02020603050405020304" pitchFamily="18" charset="0"/>
                 <a:ea typeface="Times New Roman" panose="02020603050405020304" pitchFamily="18" charset="0"/>
+                <a:cs typeface="Times New Roman" panose="02020603050405020304" pitchFamily="18" charset="0"/>
               </a:rPr>
               <a:t>  10. XCA Cross Gateway Query</a:t>
             </a:r>
-            <a:endParaRPr kumimoji="0" lang="en-US" altLang="en-US" sz="1800" b="0" i="0" u="none" strike="noStrike" cap="none" normalizeH="0" baseline="0">
+            <a:endParaRPr kumimoji="0" lang="en-US" altLang="en-US" sz="1800" b="0" i="0" u="none" strike="noStrike" cap="none" normalizeH="0" baseline="0" dirty="0">
               <a:ln>
                 <a:noFill/>
               </a:ln>
@@ -5742,7 +5910,8 @@
                 <a:schemeClr val="tx1"/>
               </a:solidFill>
               <a:effectLst/>
-              <a:latin typeface="Arial" panose="020B0604020202020204" pitchFamily="34" charset="0"/>
+              <a:latin typeface="Times New Roman" panose="02020603050405020304" pitchFamily="18" charset="0"/>
+              <a:cs typeface="Times New Roman" panose="02020603050405020304" pitchFamily="18" charset="0"/>
             </a:endParaRPr>
           </a:p>
         </p:txBody>
@@ -5826,8 +5995,9 @@
                   <a:schemeClr val="tx1"/>
                 </a:solidFill>
                 <a:effectLst/>
-                <a:latin typeface="Arial" panose="020B0604020202020204" pitchFamily="34" charset="0"/>
+                <a:latin typeface="Times New Roman" panose="02020603050405020304" pitchFamily="18" charset="0"/>
                 <a:ea typeface="Times New Roman" panose="02020603050405020304" pitchFamily="18" charset="0"/>
+                <a:cs typeface="Times New Roman" panose="02020603050405020304" pitchFamily="18" charset="0"/>
               </a:rPr>
               <a:t> 10. XDS Registry Stored Query response</a:t>
             </a:r>
@@ -5839,7 +6009,8 @@
                 <a:schemeClr val="tx1"/>
               </a:solidFill>
               <a:effectLst/>
-              <a:latin typeface="Arial" panose="020B0604020202020204" pitchFamily="34" charset="0"/>
+              <a:latin typeface="Times New Roman" panose="02020603050405020304" pitchFamily="18" charset="0"/>
+              <a:cs typeface="Times New Roman" panose="02020603050405020304" pitchFamily="18" charset="0"/>
             </a:endParaRPr>
           </a:p>
         </p:txBody>
@@ -5918,8 +6089,9 @@
                   <a:schemeClr val="tx1"/>
                 </a:solidFill>
                 <a:effectLst/>
-                <a:latin typeface="Arial" panose="020B0604020202020204" pitchFamily="34" charset="0"/>
+                <a:latin typeface="Times New Roman" panose="02020603050405020304" pitchFamily="18" charset="0"/>
                 <a:ea typeface="Times New Roman" panose="02020603050405020304" pitchFamily="18" charset="0"/>
+                <a:cs typeface="Times New Roman" panose="02020603050405020304" pitchFamily="18" charset="0"/>
               </a:rPr>
               <a:t>Community A: </a:t>
             </a:r>
@@ -5931,7 +6103,8 @@
                 <a:schemeClr val="tx1"/>
               </a:solidFill>
               <a:effectLst/>
-              <a:latin typeface="Arial" panose="020B0604020202020204" pitchFamily="34" charset="0"/>
+              <a:latin typeface="Times New Roman" panose="02020603050405020304" pitchFamily="18" charset="0"/>
+              <a:cs typeface="Times New Roman" panose="02020603050405020304" pitchFamily="18" charset="0"/>
             </a:endParaRPr>
           </a:p>
           <a:p>
@@ -5960,8 +6133,9 @@
                   <a:schemeClr val="tx1"/>
                 </a:solidFill>
                 <a:effectLst/>
-                <a:latin typeface="Arial" panose="020B0604020202020204" pitchFamily="34" charset="0"/>
+                <a:latin typeface="Times New Roman" panose="02020603050405020304" pitchFamily="18" charset="0"/>
                 <a:ea typeface="Times New Roman" panose="02020603050405020304" pitchFamily="18" charset="0"/>
+                <a:cs typeface="Times New Roman" panose="02020603050405020304" pitchFamily="18" charset="0"/>
               </a:rPr>
               <a:t>Consumer</a:t>
             </a:r>
@@ -5973,7 +6147,8 @@
                 <a:schemeClr val="tx1"/>
               </a:solidFill>
               <a:effectLst/>
-              <a:latin typeface="Arial" panose="020B0604020202020204" pitchFamily="34" charset="0"/>
+              <a:latin typeface="Times New Roman" panose="02020603050405020304" pitchFamily="18" charset="0"/>
+              <a:cs typeface="Times New Roman" panose="02020603050405020304" pitchFamily="18" charset="0"/>
             </a:endParaRPr>
           </a:p>
         </p:txBody>
@@ -6025,7 +6200,10 @@
           </a:bodyPr>
           <a:lstStyle/>
           <a:p>
-            <a:endParaRPr lang="en-US"/>
+            <a:endParaRPr lang="en-US">
+              <a:latin typeface="Times New Roman" panose="02020603050405020304" pitchFamily="18" charset="0"/>
+              <a:cs typeface="Times New Roman" panose="02020603050405020304" pitchFamily="18" charset="0"/>
+            </a:endParaRPr>
           </a:p>
         </p:txBody>
       </p:sp>
@@ -6108,8 +6286,9 @@
                   <a:schemeClr val="tx1"/>
                 </a:solidFill>
                 <a:effectLst/>
-                <a:latin typeface="Arial" panose="020B0604020202020204" pitchFamily="34" charset="0"/>
+                <a:latin typeface="Times New Roman" panose="02020603050405020304" pitchFamily="18" charset="0"/>
                 <a:ea typeface="Times New Roman" panose="02020603050405020304" pitchFamily="18" charset="0"/>
+                <a:cs typeface="Times New Roman" panose="02020603050405020304" pitchFamily="18" charset="0"/>
               </a:rPr>
               <a:t> 11. XDS Registry Stored Query</a:t>
             </a:r>
@@ -6121,7 +6300,8 @@
                 <a:schemeClr val="tx1"/>
               </a:solidFill>
               <a:effectLst/>
-              <a:latin typeface="Arial" panose="020B0604020202020204" pitchFamily="34" charset="0"/>
+              <a:latin typeface="Times New Roman" panose="02020603050405020304" pitchFamily="18" charset="0"/>
+              <a:cs typeface="Times New Roman" panose="02020603050405020304" pitchFamily="18" charset="0"/>
             </a:endParaRPr>
           </a:p>
         </p:txBody>
@@ -6205,8 +6385,9 @@
                   <a:schemeClr val="tx1"/>
                 </a:solidFill>
                 <a:effectLst/>
-                <a:latin typeface="Arial" panose="020B0604020202020204" pitchFamily="34" charset="0"/>
+                <a:latin typeface="Times New Roman" panose="02020603050405020304" pitchFamily="18" charset="0"/>
                 <a:ea typeface="Times New Roman" panose="02020603050405020304" pitchFamily="18" charset="0"/>
+                <a:cs typeface="Times New Roman" panose="02020603050405020304" pitchFamily="18" charset="0"/>
               </a:rPr>
               <a:t> 12. Cross Gateway Patient Discovery</a:t>
             </a:r>
@@ -6218,7 +6399,8 @@
                 <a:schemeClr val="tx1"/>
               </a:solidFill>
               <a:effectLst/>
-              <a:latin typeface="Arial" panose="020B0604020202020204" pitchFamily="34" charset="0"/>
+              <a:latin typeface="Times New Roman" panose="02020603050405020304" pitchFamily="18" charset="0"/>
+              <a:cs typeface="Times New Roman" panose="02020603050405020304" pitchFamily="18" charset="0"/>
             </a:endParaRPr>
           </a:p>
         </p:txBody>
@@ -6265,7 +6447,10 @@
           </a:bodyPr>
           <a:lstStyle/>
           <a:p>
-            <a:endParaRPr lang="en-US"/>
+            <a:endParaRPr lang="en-US">
+              <a:latin typeface="Times New Roman" panose="02020603050405020304" pitchFamily="18" charset="0"/>
+              <a:cs typeface="Times New Roman" panose="02020603050405020304" pitchFamily="18" charset="0"/>
+            </a:endParaRPr>
           </a:p>
         </p:txBody>
       </p:sp>
@@ -6316,7 +6501,10 @@
           </a:bodyPr>
           <a:lstStyle/>
           <a:p>
-            <a:endParaRPr lang="en-US"/>
+            <a:endParaRPr lang="en-US">
+              <a:latin typeface="Times New Roman" panose="02020603050405020304" pitchFamily="18" charset="0"/>
+              <a:cs typeface="Times New Roman" panose="02020603050405020304" pitchFamily="18" charset="0"/>
+            </a:endParaRPr>
           </a:p>
         </p:txBody>
       </p:sp>
@@ -6394,8 +6582,9 @@
                   <a:schemeClr val="tx1"/>
                 </a:solidFill>
                 <a:effectLst/>
-                <a:latin typeface="Arial" panose="020B0604020202020204" pitchFamily="34" charset="0"/>
+                <a:latin typeface="Times New Roman" panose="02020603050405020304" pitchFamily="18" charset="0"/>
                 <a:ea typeface="Times New Roman" panose="02020603050405020304" pitchFamily="18" charset="0"/>
+                <a:cs typeface="Times New Roman" panose="02020603050405020304" pitchFamily="18" charset="0"/>
               </a:rPr>
               <a:t>  13. XCA Cross Gateway Query</a:t>
             </a:r>
@@ -6407,7 +6596,8 @@
                 <a:schemeClr val="tx1"/>
               </a:solidFill>
               <a:effectLst/>
-              <a:latin typeface="Arial" panose="020B0604020202020204" pitchFamily="34" charset="0"/>
+              <a:latin typeface="Times New Roman" panose="02020603050405020304" pitchFamily="18" charset="0"/>
+              <a:cs typeface="Times New Roman" panose="02020603050405020304" pitchFamily="18" charset="0"/>
             </a:endParaRPr>
           </a:p>
         </p:txBody>
@@ -6486,8 +6676,9 @@
                   <a:schemeClr val="tx1"/>
                 </a:solidFill>
                 <a:effectLst/>
-                <a:latin typeface="Arial" panose="020B0604020202020204" pitchFamily="34" charset="0"/>
+                <a:latin typeface="Times New Roman" panose="02020603050405020304" pitchFamily="18" charset="0"/>
                 <a:ea typeface="Times New Roman" panose="02020603050405020304" pitchFamily="18" charset="0"/>
+                <a:cs typeface="Times New Roman" panose="02020603050405020304" pitchFamily="18" charset="0"/>
               </a:rPr>
               <a:t>  13. XCA Cross Gateway Query</a:t>
             </a:r>
@@ -6499,7 +6690,8 @@
                 <a:schemeClr val="tx1"/>
               </a:solidFill>
               <a:effectLst/>
-              <a:latin typeface="Arial" panose="020B0604020202020204" pitchFamily="34" charset="0"/>
+              <a:latin typeface="Times New Roman" panose="02020603050405020304" pitchFamily="18" charset="0"/>
+              <a:cs typeface="Times New Roman" panose="02020603050405020304" pitchFamily="18" charset="0"/>
             </a:endParaRPr>
           </a:p>
         </p:txBody>
@@ -6551,7 +6743,10 @@
           </a:bodyPr>
           <a:lstStyle/>
           <a:p>
-            <a:endParaRPr lang="en-US"/>
+            <a:endParaRPr lang="en-US">
+              <a:latin typeface="Times New Roman" panose="02020603050405020304" pitchFamily="18" charset="0"/>
+              <a:cs typeface="Times New Roman" panose="02020603050405020304" pitchFamily="18" charset="0"/>
+            </a:endParaRPr>
           </a:p>
         </p:txBody>
       </p:sp>
@@ -6602,7 +6797,10 @@
           </a:bodyPr>
           <a:lstStyle/>
           <a:p>
-            <a:endParaRPr lang="en-US"/>
+            <a:endParaRPr lang="en-US">
+              <a:latin typeface="Times New Roman" panose="02020603050405020304" pitchFamily="18" charset="0"/>
+              <a:cs typeface="Times New Roman" panose="02020603050405020304" pitchFamily="18" charset="0"/>
+            </a:endParaRPr>
           </a:p>
         </p:txBody>
       </p:sp>
@@ -6648,7 +6846,10 @@
           </a:bodyPr>
           <a:lstStyle/>
           <a:p>
-            <a:endParaRPr lang="en-US"/>
+            <a:endParaRPr lang="en-US">
+              <a:latin typeface="Times New Roman" panose="02020603050405020304" pitchFamily="18" charset="0"/>
+              <a:cs typeface="Times New Roman" panose="02020603050405020304" pitchFamily="18" charset="0"/>
+            </a:endParaRPr>
           </a:p>
         </p:txBody>
       </p:sp>
@@ -6668,7 +6869,7 @@
         </p:nvSpPr>
         <p:spPr bwMode="auto">
           <a:xfrm>
-            <a:off x="590550" y="5575300"/>
+            <a:off x="532494" y="5575300"/>
             <a:ext cx="949325" cy="474663"/>
           </a:xfrm>
           <a:prstGeom prst="rect">
@@ -6731,12 +6932,28 @@
                   <a:schemeClr val="tx1"/>
                 </a:solidFill>
                 <a:effectLst/>
-                <a:latin typeface="Arial" panose="020B0604020202020204" pitchFamily="34" charset="0"/>
+                <a:latin typeface="Times New Roman" panose="02020603050405020304" pitchFamily="18" charset="0"/>
                 <a:ea typeface="Times New Roman" panose="02020603050405020304" pitchFamily="18" charset="0"/>
+                <a:cs typeface="Times New Roman" panose="02020603050405020304" pitchFamily="18" charset="0"/>
               </a:rPr>
-              <a:t> 13. XDS Registry Stored Query response</a:t>
-            </a:r>
-            <a:endParaRPr kumimoji="0" lang="en-US" altLang="en-US" sz="1800" b="0" i="0" u="none" strike="noStrike" cap="none" normalizeH="0" baseline="0">
+              <a:t> 13. </a:t>
+            </a:r>
+            <a:r>
+              <a:rPr kumimoji="0" lang="en-US" altLang="en-US" sz="1000" b="0" i="0" u="none" strike="noStrike" cap="none" normalizeH="0" baseline="0" dirty="0">
+                <a:ln>
+                  <a:noFill/>
+                </a:ln>
+                <a:solidFill>
+                  <a:schemeClr val="tx1"/>
+                </a:solidFill>
+                <a:effectLst/>
+                <a:latin typeface="Times New Roman" panose="02020603050405020304" pitchFamily="18" charset="0"/>
+                <a:ea typeface="Times New Roman" panose="02020603050405020304" pitchFamily="18" charset="0"/>
+                <a:cs typeface="Times New Roman" panose="02020603050405020304" pitchFamily="18" charset="0"/>
+              </a:rPr>
+              <a:t>XDS Registry Stored Query response</a:t>
+            </a:r>
+            <a:endParaRPr kumimoji="0" lang="en-US" altLang="en-US" sz="1800" b="0" i="0" u="none" strike="noStrike" cap="none" normalizeH="0" baseline="0" dirty="0">
               <a:ln>
                 <a:noFill/>
               </a:ln>
@@ -6744,7 +6961,8 @@
                 <a:schemeClr val="tx1"/>
               </a:solidFill>
               <a:effectLst/>
-              <a:latin typeface="Arial" panose="020B0604020202020204" pitchFamily="34" charset="0"/>
+              <a:latin typeface="Times New Roman" panose="02020603050405020304" pitchFamily="18" charset="0"/>
+              <a:cs typeface="Times New Roman" panose="02020603050405020304" pitchFamily="18" charset="0"/>
             </a:endParaRPr>
           </a:p>
         </p:txBody>
@@ -6796,7 +7014,10 @@
           </a:bodyPr>
           <a:lstStyle/>
           <a:p>
-            <a:endParaRPr lang="en-US"/>
+            <a:endParaRPr lang="en-US">
+              <a:latin typeface="Times New Roman" panose="02020603050405020304" pitchFamily="18" charset="0"/>
+              <a:cs typeface="Times New Roman" panose="02020603050405020304" pitchFamily="18" charset="0"/>
+            </a:endParaRPr>
           </a:p>
         </p:txBody>
       </p:sp>
@@ -6816,7 +7037,7 @@
         </p:nvSpPr>
         <p:spPr bwMode="auto">
           <a:xfrm>
-            <a:off x="2254250" y="1655763"/>
+            <a:off x="2326820" y="1655763"/>
             <a:ext cx="1154113" cy="338137"/>
           </a:xfrm>
           <a:prstGeom prst="rect">
@@ -6874,8 +7095,9 @@
                   <a:schemeClr val="tx1"/>
                 </a:solidFill>
                 <a:effectLst/>
-                <a:latin typeface="Arial" panose="020B0604020202020204" pitchFamily="34" charset="0"/>
+                <a:latin typeface="Times New Roman" panose="02020603050405020304" pitchFamily="18" charset="0"/>
                 <a:ea typeface="Times New Roman" panose="02020603050405020304" pitchFamily="18" charset="0"/>
+                <a:cs typeface="Times New Roman" panose="02020603050405020304" pitchFamily="18" charset="0"/>
               </a:rPr>
               <a:t> 3.Cross Gateway Patient Discovery</a:t>
             </a:r>
@@ -6887,60 +7109,9 @@
                 <a:schemeClr val="tx1"/>
               </a:solidFill>
               <a:effectLst/>
-              <a:latin typeface="Arial" panose="020B0604020202020204" pitchFamily="34" charset="0"/>
+              <a:latin typeface="Times New Roman" panose="02020603050405020304" pitchFamily="18" charset="0"/>
+              <a:cs typeface="Times New Roman" panose="02020603050405020304" pitchFamily="18" charset="0"/>
             </a:endParaRPr>
-          </a:p>
-        </p:txBody>
-      </p:sp>
-      <p:sp>
-        <p:nvSpPr>
-          <p:cNvPr id="79" name="Line 15">
-            <a:extLst>
-              <a:ext uri="{FF2B5EF4-FFF2-40B4-BE49-F238E27FC236}">
-                <a16:creationId xmlns:a16="http://schemas.microsoft.com/office/drawing/2014/main" id="{F27307B4-526C-4540-BFB4-F2823492F9A5}"/>
-              </a:ext>
-            </a:extLst>
-          </p:cNvPr>
-          <p:cNvSpPr>
-            <a:spLocks noChangeShapeType="1"/>
-          </p:cNvSpPr>
-          <p:nvPr/>
-        </p:nvSpPr>
-        <p:spPr bwMode="auto">
-          <a:xfrm flipV="1">
-            <a:off x="354013" y="4505325"/>
-            <a:ext cx="4762" cy="1900238"/>
-          </a:xfrm>
-          <a:prstGeom prst="line">
-            <a:avLst/>
-          </a:prstGeom>
-          <a:noFill/>
-          <a:ln w="9525">
-            <a:solidFill>
-              <a:srgbClr val="000000"/>
-            </a:solidFill>
-            <a:prstDash val="dash"/>
-            <a:round/>
-            <a:headEnd/>
-            <a:tailEnd/>
-          </a:ln>
-          <a:extLst>
-            <a:ext uri="{909E8E84-426E-40DD-AFC4-6F175D3DCCD1}">
-              <a14:hiddenFill xmlns:a14="http://schemas.microsoft.com/office/drawing/2010/main">
-                <a:noFill/>
-              </a14:hiddenFill>
-            </a:ext>
-          </a:extLst>
-        </p:spPr>
-        <p:txBody>
-          <a:bodyPr vert="horz" wrap="square" lIns="91440" tIns="45720" rIns="91440" bIns="45720" numCol="1" anchor="t" anchorCtr="0" compatLnSpc="1">
-            <a:prstTxWarp prst="textNoShape">
-              <a:avLst/>
-            </a:prstTxWarp>
-          </a:bodyPr>
-          <a:lstStyle/>
-          <a:p>
-            <a:endParaRPr lang="en-US"/>
           </a:p>
         </p:txBody>
       </p:sp>
@@ -6960,7 +7131,7 @@
         </p:nvSpPr>
         <p:spPr bwMode="auto">
           <a:xfrm>
-            <a:off x="590550" y="2843213"/>
+            <a:off x="445410" y="2843213"/>
             <a:ext cx="788988" cy="660400"/>
           </a:xfrm>
           <a:prstGeom prst="rect">
@@ -7010,7 +7181,7 @@
               <a:tabLst/>
             </a:pPr>
             <a:r>
-              <a:rPr kumimoji="0" lang="en-US" altLang="en-US" sz="1000" b="0" i="1" u="none" strike="noStrike" cap="none" normalizeH="0" baseline="0">
+              <a:rPr kumimoji="0" lang="en-US" altLang="en-US" sz="1000" b="0" i="1" u="none" strike="noStrike" cap="none" normalizeH="0" baseline="0" dirty="0">
                 <a:ln>
                   <a:noFill/>
                 </a:ln>
@@ -7018,12 +7189,13 @@
                   <a:schemeClr val="tx1"/>
                 </a:solidFill>
                 <a:effectLst/>
-                <a:latin typeface="Arial" panose="020B0604020202020204" pitchFamily="34" charset="0"/>
+                <a:latin typeface="Times New Roman" panose="02020603050405020304" pitchFamily="18" charset="0"/>
                 <a:ea typeface="Times New Roman" panose="02020603050405020304" pitchFamily="18" charset="0"/>
+                <a:cs typeface="Times New Roman" panose="02020603050405020304" pitchFamily="18" charset="0"/>
               </a:rPr>
               <a:t> 7. Consult local MPI and save B’s identifier</a:t>
             </a:r>
-            <a:endParaRPr kumimoji="0" lang="en-US" altLang="en-US" sz="1800" b="0" i="0" u="none" strike="noStrike" cap="none" normalizeH="0" baseline="0">
+            <a:endParaRPr kumimoji="0" lang="en-US" altLang="en-US" sz="1800" b="0" i="0" u="none" strike="noStrike" cap="none" normalizeH="0" baseline="0" dirty="0">
               <a:ln>
                 <a:noFill/>
               </a:ln>
@@ -7031,7 +7203,8 @@
                 <a:schemeClr val="tx1"/>
               </a:solidFill>
               <a:effectLst/>
-              <a:latin typeface="Arial" panose="020B0604020202020204" pitchFamily="34" charset="0"/>
+              <a:latin typeface="Times New Roman" panose="02020603050405020304" pitchFamily="18" charset="0"/>
+              <a:cs typeface="Times New Roman" panose="02020603050405020304" pitchFamily="18" charset="0"/>
             </a:endParaRPr>
           </a:p>
         </p:txBody>
@@ -7083,7 +7256,10 @@
           </a:bodyPr>
           <a:lstStyle/>
           <a:p>
-            <a:endParaRPr lang="en-US"/>
+            <a:endParaRPr lang="en-US">
+              <a:latin typeface="Times New Roman" panose="02020603050405020304" pitchFamily="18" charset="0"/>
+              <a:cs typeface="Times New Roman" panose="02020603050405020304" pitchFamily="18" charset="0"/>
+            </a:endParaRPr>
           </a:p>
         </p:txBody>
       </p:sp>
@@ -7166,8 +7342,9 @@
                   <a:schemeClr val="tx1"/>
                 </a:solidFill>
                 <a:effectLst/>
-                <a:latin typeface="Arial" panose="020B0604020202020204" pitchFamily="34" charset="0"/>
+                <a:latin typeface="Times New Roman" panose="02020603050405020304" pitchFamily="18" charset="0"/>
                 <a:ea typeface="Times New Roman" panose="02020603050405020304" pitchFamily="18" charset="0"/>
+                <a:cs typeface="Times New Roman" panose="02020603050405020304" pitchFamily="18" charset="0"/>
               </a:rPr>
               <a:t> 12. Cross Gateway Patient Discovery</a:t>
             </a:r>
@@ -7179,7 +7356,8 @@
                 <a:schemeClr val="tx1"/>
               </a:solidFill>
               <a:effectLst/>
-              <a:latin typeface="Arial" panose="020B0604020202020204" pitchFamily="34" charset="0"/>
+              <a:latin typeface="Times New Roman" panose="02020603050405020304" pitchFamily="18" charset="0"/>
+              <a:cs typeface="Times New Roman" panose="02020603050405020304" pitchFamily="18" charset="0"/>
             </a:endParaRPr>
           </a:p>
         </p:txBody>
@@ -7200,7 +7378,7 @@
         </p:nvSpPr>
         <p:spPr bwMode="auto">
           <a:xfrm>
-            <a:off x="5340350" y="2606675"/>
+            <a:off x="5398406" y="2606675"/>
             <a:ext cx="788988" cy="660400"/>
           </a:xfrm>
           <a:prstGeom prst="rect">
@@ -7258,8 +7436,9 @@
                   <a:schemeClr val="tx1"/>
                 </a:solidFill>
                 <a:effectLst/>
-                <a:latin typeface="Arial" panose="020B0604020202020204" pitchFamily="34" charset="0"/>
+                <a:latin typeface="Times New Roman" panose="02020603050405020304" pitchFamily="18" charset="0"/>
                 <a:ea typeface="Times New Roman" panose="02020603050405020304" pitchFamily="18" charset="0"/>
+                <a:cs typeface="Times New Roman" panose="02020603050405020304" pitchFamily="18" charset="0"/>
               </a:rPr>
               <a:t> 9. Consult local MPI and save B’s identifier</a:t>
             </a:r>
@@ -7271,7 +7450,8 @@
                 <a:schemeClr val="tx1"/>
               </a:solidFill>
               <a:effectLst/>
-              <a:latin typeface="Arial" panose="020B0604020202020204" pitchFamily="34" charset="0"/>
+              <a:latin typeface="Times New Roman" panose="02020603050405020304" pitchFamily="18" charset="0"/>
+              <a:cs typeface="Times New Roman" panose="02020603050405020304" pitchFamily="18" charset="0"/>
             </a:endParaRPr>
           </a:p>
         </p:txBody>
@@ -7292,7 +7472,7 @@
         </p:nvSpPr>
         <p:spPr bwMode="auto">
           <a:xfrm>
-            <a:off x="4510088" y="1300163"/>
+            <a:off x="4510088" y="1372733"/>
             <a:ext cx="788987" cy="304800"/>
           </a:xfrm>
           <a:prstGeom prst="rect">
@@ -7342,7 +7522,7 @@
               <a:tabLst/>
             </a:pPr>
             <a:r>
-              <a:rPr kumimoji="0" lang="en-US" altLang="en-US" sz="1000" b="0" i="1" u="none" strike="noStrike" cap="none" normalizeH="0" baseline="0">
+              <a:rPr kumimoji="0" lang="en-US" altLang="en-US" sz="1000" b="0" i="1" u="none" strike="noStrike" cap="none" normalizeH="0" baseline="0" dirty="0">
                 <a:ln>
                   <a:noFill/>
                 </a:ln>
@@ -7350,12 +7530,13 @@
                   <a:schemeClr val="tx1"/>
                 </a:solidFill>
                 <a:effectLst/>
-                <a:latin typeface="Arial" panose="020B0604020202020204" pitchFamily="34" charset="0"/>
+                <a:latin typeface="Times New Roman" panose="02020603050405020304" pitchFamily="18" charset="0"/>
                 <a:ea typeface="Times New Roman" panose="02020603050405020304" pitchFamily="18" charset="0"/>
+                <a:cs typeface="Times New Roman" panose="02020603050405020304" pitchFamily="18" charset="0"/>
               </a:rPr>
               <a:t> 2. Consult local MPI</a:t>
             </a:r>
-            <a:endParaRPr kumimoji="0" lang="en-US" altLang="en-US" sz="1800" b="0" i="0" u="none" strike="noStrike" cap="none" normalizeH="0" baseline="0">
+            <a:endParaRPr kumimoji="0" lang="en-US" altLang="en-US" sz="1800" b="0" i="0" u="none" strike="noStrike" cap="none" normalizeH="0" baseline="0" dirty="0">
               <a:ln>
                 <a:noFill/>
               </a:ln>
@@ -7363,7 +7544,8 @@
                 <a:schemeClr val="tx1"/>
               </a:solidFill>
               <a:effectLst/>
-              <a:latin typeface="Arial" panose="020B0604020202020204" pitchFamily="34" charset="0"/>
+              <a:latin typeface="Times New Roman" panose="02020603050405020304" pitchFamily="18" charset="0"/>
+              <a:cs typeface="Times New Roman" panose="02020603050405020304" pitchFamily="18" charset="0"/>
             </a:endParaRPr>
           </a:p>
         </p:txBody>
@@ -7980,6 +8162,554 @@
           </a:p>
         </p:txBody>
       </p:sp>
+      <p:sp>
+        <p:nvSpPr>
+          <p:cNvPr id="85" name="Line 23">
+            <a:extLst>
+              <a:ext uri="{FF2B5EF4-FFF2-40B4-BE49-F238E27FC236}">
+                <a16:creationId xmlns:a16="http://schemas.microsoft.com/office/drawing/2014/main" id="{93DDBEF0-6795-764C-85B5-0AD0133A01A5}"/>
+              </a:ext>
+            </a:extLst>
+          </p:cNvPr>
+          <p:cNvSpPr>
+            <a:spLocks noChangeShapeType="1"/>
+          </p:cNvSpPr>
+          <p:nvPr/>
+        </p:nvSpPr>
+        <p:spPr bwMode="auto">
+          <a:xfrm flipH="1">
+            <a:off x="5379869" y="2266899"/>
+            <a:ext cx="296418" cy="0"/>
+          </a:xfrm>
+          <a:prstGeom prst="line">
+            <a:avLst/>
+          </a:prstGeom>
+          <a:noFill/>
+          <a:ln w="9525">
+            <a:solidFill>
+              <a:srgbClr val="000000"/>
+            </a:solidFill>
+            <a:round/>
+            <a:headEnd/>
+            <a:tailEnd type="triangle" w="med" len="med"/>
+          </a:ln>
+          <a:extLst>
+            <a:ext uri="{909E8E84-426E-40DD-AFC4-6F175D3DCCD1}">
+              <a14:hiddenFill xmlns:a14="http://schemas.microsoft.com/office/drawing/2010/main">
+                <a:noFill/>
+              </a14:hiddenFill>
+            </a:ext>
+          </a:extLst>
+        </p:spPr>
+        <p:txBody>
+          <a:bodyPr vert="horz" wrap="square" lIns="91440" tIns="45720" rIns="91440" bIns="45720" numCol="1" anchor="t" anchorCtr="0" compatLnSpc="1">
+            <a:prstTxWarp prst="textNoShape">
+              <a:avLst/>
+            </a:prstTxWarp>
+          </a:bodyPr>
+          <a:lstStyle/>
+          <a:p>
+            <a:endParaRPr lang="en-US"/>
+          </a:p>
+        </p:txBody>
+      </p:sp>
+      <p:cxnSp>
+        <p:nvCxnSpPr>
+          <p:cNvPr id="98" name="Straight Connector 97">
+            <a:extLst>
+              <a:ext uri="{FF2B5EF4-FFF2-40B4-BE49-F238E27FC236}">
+                <a16:creationId xmlns:a16="http://schemas.microsoft.com/office/drawing/2014/main" id="{03E607D8-F9F1-564B-8A08-268A4B1A7DE7}"/>
+              </a:ext>
+            </a:extLst>
+          </p:cNvPr>
+          <p:cNvCxnSpPr>
+            <a:cxnSpLocks/>
+          </p:cNvCxnSpPr>
+          <p:nvPr/>
+        </p:nvCxnSpPr>
+        <p:spPr>
+          <a:xfrm>
+            <a:off x="5686678" y="2024442"/>
+            <a:ext cx="0" cy="242457"/>
+          </a:xfrm>
+          <a:prstGeom prst="line">
+            <a:avLst/>
+          </a:prstGeom>
+          <a:ln w="12700">
+            <a:solidFill>
+              <a:schemeClr val="tx1"/>
+            </a:solidFill>
+          </a:ln>
+        </p:spPr>
+        <p:style>
+          <a:lnRef idx="1">
+            <a:schemeClr val="accent1"/>
+          </a:lnRef>
+          <a:fillRef idx="0">
+            <a:schemeClr val="accent1"/>
+          </a:fillRef>
+          <a:effectRef idx="0">
+            <a:schemeClr val="accent1"/>
+          </a:effectRef>
+          <a:fontRef idx="minor">
+            <a:schemeClr val="tx1"/>
+          </a:fontRef>
+        </p:style>
+      </p:cxnSp>
+      <p:cxnSp>
+        <p:nvCxnSpPr>
+          <p:cNvPr id="99" name="Straight Connector 98">
+            <a:extLst>
+              <a:ext uri="{FF2B5EF4-FFF2-40B4-BE49-F238E27FC236}">
+                <a16:creationId xmlns:a16="http://schemas.microsoft.com/office/drawing/2014/main" id="{E5F187E0-D5C9-F545-890E-B65C254C2E35}"/>
+              </a:ext>
+            </a:extLst>
+          </p:cNvPr>
+          <p:cNvCxnSpPr>
+            <a:cxnSpLocks/>
+          </p:cNvCxnSpPr>
+          <p:nvPr/>
+        </p:nvCxnSpPr>
+        <p:spPr>
+          <a:xfrm flipH="1">
+            <a:off x="5362552" y="2024443"/>
+            <a:ext cx="324127" cy="0"/>
+          </a:xfrm>
+          <a:prstGeom prst="line">
+            <a:avLst/>
+          </a:prstGeom>
+          <a:ln w="12700">
+            <a:solidFill>
+              <a:schemeClr val="tx1"/>
+            </a:solidFill>
+          </a:ln>
+        </p:spPr>
+        <p:style>
+          <a:lnRef idx="1">
+            <a:schemeClr val="accent1"/>
+          </a:lnRef>
+          <a:fillRef idx="0">
+            <a:schemeClr val="accent1"/>
+          </a:fillRef>
+          <a:effectRef idx="0">
+            <a:schemeClr val="accent1"/>
+          </a:effectRef>
+          <a:fontRef idx="minor">
+            <a:schemeClr val="tx1"/>
+          </a:fontRef>
+        </p:style>
+      </p:cxnSp>
+      <p:sp>
+        <p:nvSpPr>
+          <p:cNvPr id="100" name="Line 23">
+            <a:extLst>
+              <a:ext uri="{FF2B5EF4-FFF2-40B4-BE49-F238E27FC236}">
+                <a16:creationId xmlns:a16="http://schemas.microsoft.com/office/drawing/2014/main" id="{4F8E0BB9-E078-714F-BEE9-4359F65CEF6A}"/>
+              </a:ext>
+            </a:extLst>
+          </p:cNvPr>
+          <p:cNvSpPr>
+            <a:spLocks noChangeShapeType="1"/>
+          </p:cNvSpPr>
+          <p:nvPr/>
+        </p:nvSpPr>
+        <p:spPr bwMode="auto">
+          <a:xfrm flipH="1">
+            <a:off x="5372615" y="3565925"/>
+            <a:ext cx="296418" cy="0"/>
+          </a:xfrm>
+          <a:prstGeom prst="line">
+            <a:avLst/>
+          </a:prstGeom>
+          <a:noFill/>
+          <a:ln w="9525">
+            <a:solidFill>
+              <a:srgbClr val="000000"/>
+            </a:solidFill>
+            <a:round/>
+            <a:headEnd/>
+            <a:tailEnd type="triangle" w="med" len="med"/>
+          </a:ln>
+          <a:extLst>
+            <a:ext uri="{909E8E84-426E-40DD-AFC4-6F175D3DCCD1}">
+              <a14:hiddenFill xmlns:a14="http://schemas.microsoft.com/office/drawing/2010/main">
+                <a:noFill/>
+              </a14:hiddenFill>
+            </a:ext>
+          </a:extLst>
+        </p:spPr>
+        <p:txBody>
+          <a:bodyPr vert="horz" wrap="square" lIns="91440" tIns="45720" rIns="91440" bIns="45720" numCol="1" anchor="t" anchorCtr="0" compatLnSpc="1">
+            <a:prstTxWarp prst="textNoShape">
+              <a:avLst/>
+            </a:prstTxWarp>
+          </a:bodyPr>
+          <a:lstStyle/>
+          <a:p>
+            <a:endParaRPr lang="en-US"/>
+          </a:p>
+        </p:txBody>
+      </p:sp>
+      <p:cxnSp>
+        <p:nvCxnSpPr>
+          <p:cNvPr id="101" name="Straight Connector 100">
+            <a:extLst>
+              <a:ext uri="{FF2B5EF4-FFF2-40B4-BE49-F238E27FC236}">
+                <a16:creationId xmlns:a16="http://schemas.microsoft.com/office/drawing/2014/main" id="{AFECFBB5-86FB-E749-914E-9DE334FFEDCF}"/>
+              </a:ext>
+            </a:extLst>
+          </p:cNvPr>
+          <p:cNvCxnSpPr>
+            <a:cxnSpLocks/>
+          </p:cNvCxnSpPr>
+          <p:nvPr/>
+        </p:nvCxnSpPr>
+        <p:spPr>
+          <a:xfrm>
+            <a:off x="5679424" y="3323468"/>
+            <a:ext cx="0" cy="242457"/>
+          </a:xfrm>
+          <a:prstGeom prst="line">
+            <a:avLst/>
+          </a:prstGeom>
+          <a:ln w="12700">
+            <a:solidFill>
+              <a:schemeClr val="tx1"/>
+            </a:solidFill>
+          </a:ln>
+        </p:spPr>
+        <p:style>
+          <a:lnRef idx="1">
+            <a:schemeClr val="accent1"/>
+          </a:lnRef>
+          <a:fillRef idx="0">
+            <a:schemeClr val="accent1"/>
+          </a:fillRef>
+          <a:effectRef idx="0">
+            <a:schemeClr val="accent1"/>
+          </a:effectRef>
+          <a:fontRef idx="minor">
+            <a:schemeClr val="tx1"/>
+          </a:fontRef>
+        </p:style>
+      </p:cxnSp>
+      <p:cxnSp>
+        <p:nvCxnSpPr>
+          <p:cNvPr id="102" name="Straight Connector 101">
+            <a:extLst>
+              <a:ext uri="{FF2B5EF4-FFF2-40B4-BE49-F238E27FC236}">
+                <a16:creationId xmlns:a16="http://schemas.microsoft.com/office/drawing/2014/main" id="{9F5DDAF2-5A94-4F43-BCF0-B21760274A6B}"/>
+              </a:ext>
+            </a:extLst>
+          </p:cNvPr>
+          <p:cNvCxnSpPr>
+            <a:cxnSpLocks/>
+          </p:cNvCxnSpPr>
+          <p:nvPr/>
+        </p:nvCxnSpPr>
+        <p:spPr>
+          <a:xfrm flipH="1">
+            <a:off x="5355298" y="3323469"/>
+            <a:ext cx="324127" cy="0"/>
+          </a:xfrm>
+          <a:prstGeom prst="line">
+            <a:avLst/>
+          </a:prstGeom>
+          <a:ln w="12700">
+            <a:solidFill>
+              <a:schemeClr val="tx1"/>
+            </a:solidFill>
+          </a:ln>
+        </p:spPr>
+        <p:style>
+          <a:lnRef idx="1">
+            <a:schemeClr val="accent1"/>
+          </a:lnRef>
+          <a:fillRef idx="0">
+            <a:schemeClr val="accent1"/>
+          </a:fillRef>
+          <a:effectRef idx="0">
+            <a:schemeClr val="accent1"/>
+          </a:effectRef>
+          <a:fontRef idx="minor">
+            <a:schemeClr val="tx1"/>
+          </a:fontRef>
+        </p:style>
+      </p:cxnSp>
+      <p:sp>
+        <p:nvSpPr>
+          <p:cNvPr id="103" name="Line 23">
+            <a:extLst>
+              <a:ext uri="{FF2B5EF4-FFF2-40B4-BE49-F238E27FC236}">
+                <a16:creationId xmlns:a16="http://schemas.microsoft.com/office/drawing/2014/main" id="{9CBB5E3E-5A1F-2D43-89B4-71F18610BDB8}"/>
+              </a:ext>
+            </a:extLst>
+          </p:cNvPr>
+          <p:cNvSpPr>
+            <a:spLocks noChangeShapeType="1"/>
+          </p:cNvSpPr>
+          <p:nvPr/>
+        </p:nvSpPr>
+        <p:spPr bwMode="auto">
+          <a:xfrm flipH="1">
+            <a:off x="4167929" y="1664560"/>
+            <a:ext cx="296418" cy="0"/>
+          </a:xfrm>
+          <a:prstGeom prst="line">
+            <a:avLst/>
+          </a:prstGeom>
+          <a:noFill/>
+          <a:ln w="9525">
+            <a:solidFill>
+              <a:srgbClr val="000000"/>
+            </a:solidFill>
+            <a:round/>
+            <a:headEnd/>
+            <a:tailEnd type="triangle" w="med" len="med"/>
+          </a:ln>
+          <a:extLst>
+            <a:ext uri="{909E8E84-426E-40DD-AFC4-6F175D3DCCD1}">
+              <a14:hiddenFill xmlns:a14="http://schemas.microsoft.com/office/drawing/2010/main">
+                <a:noFill/>
+              </a14:hiddenFill>
+            </a:ext>
+          </a:extLst>
+        </p:spPr>
+        <p:txBody>
+          <a:bodyPr vert="horz" wrap="square" lIns="91440" tIns="45720" rIns="91440" bIns="45720" numCol="1" anchor="t" anchorCtr="0" compatLnSpc="1">
+            <a:prstTxWarp prst="textNoShape">
+              <a:avLst/>
+            </a:prstTxWarp>
+          </a:bodyPr>
+          <a:lstStyle/>
+          <a:p>
+            <a:endParaRPr lang="en-US"/>
+          </a:p>
+        </p:txBody>
+      </p:sp>
+      <p:cxnSp>
+        <p:nvCxnSpPr>
+          <p:cNvPr id="104" name="Straight Connector 103">
+            <a:extLst>
+              <a:ext uri="{FF2B5EF4-FFF2-40B4-BE49-F238E27FC236}">
+                <a16:creationId xmlns:a16="http://schemas.microsoft.com/office/drawing/2014/main" id="{1DDF9AB4-0947-434D-B6A7-3405DECC6989}"/>
+              </a:ext>
+            </a:extLst>
+          </p:cNvPr>
+          <p:cNvCxnSpPr>
+            <a:cxnSpLocks/>
+          </p:cNvCxnSpPr>
+          <p:nvPr/>
+        </p:nvCxnSpPr>
+        <p:spPr>
+          <a:xfrm>
+            <a:off x="4474738" y="1422103"/>
+            <a:ext cx="0" cy="242457"/>
+          </a:xfrm>
+          <a:prstGeom prst="line">
+            <a:avLst/>
+          </a:prstGeom>
+          <a:ln w="12700">
+            <a:solidFill>
+              <a:schemeClr val="tx1"/>
+            </a:solidFill>
+          </a:ln>
+        </p:spPr>
+        <p:style>
+          <a:lnRef idx="1">
+            <a:schemeClr val="accent1"/>
+          </a:lnRef>
+          <a:fillRef idx="0">
+            <a:schemeClr val="accent1"/>
+          </a:fillRef>
+          <a:effectRef idx="0">
+            <a:schemeClr val="accent1"/>
+          </a:effectRef>
+          <a:fontRef idx="minor">
+            <a:schemeClr val="tx1"/>
+          </a:fontRef>
+        </p:style>
+      </p:cxnSp>
+      <p:cxnSp>
+        <p:nvCxnSpPr>
+          <p:cNvPr id="105" name="Straight Connector 104">
+            <a:extLst>
+              <a:ext uri="{FF2B5EF4-FFF2-40B4-BE49-F238E27FC236}">
+                <a16:creationId xmlns:a16="http://schemas.microsoft.com/office/drawing/2014/main" id="{957121EE-A98F-7149-83EF-E95484E1FF10}"/>
+              </a:ext>
+            </a:extLst>
+          </p:cNvPr>
+          <p:cNvCxnSpPr>
+            <a:cxnSpLocks/>
+          </p:cNvCxnSpPr>
+          <p:nvPr/>
+        </p:nvCxnSpPr>
+        <p:spPr>
+          <a:xfrm flipH="1">
+            <a:off x="4150612" y="1422104"/>
+            <a:ext cx="324127" cy="0"/>
+          </a:xfrm>
+          <a:prstGeom prst="line">
+            <a:avLst/>
+          </a:prstGeom>
+          <a:ln w="12700">
+            <a:solidFill>
+              <a:schemeClr val="tx1"/>
+            </a:solidFill>
+          </a:ln>
+        </p:spPr>
+        <p:style>
+          <a:lnRef idx="1">
+            <a:schemeClr val="accent1"/>
+          </a:lnRef>
+          <a:fillRef idx="0">
+            <a:schemeClr val="accent1"/>
+          </a:fillRef>
+          <a:effectRef idx="0">
+            <a:schemeClr val="accent1"/>
+          </a:effectRef>
+          <a:fontRef idx="minor">
+            <a:schemeClr val="tx1"/>
+          </a:fontRef>
+        </p:style>
+      </p:cxnSp>
+      <p:sp>
+        <p:nvSpPr>
+          <p:cNvPr id="106" name="Line 23">
+            <a:extLst>
+              <a:ext uri="{FF2B5EF4-FFF2-40B4-BE49-F238E27FC236}">
+                <a16:creationId xmlns:a16="http://schemas.microsoft.com/office/drawing/2014/main" id="{971C2CDE-4B53-8C47-AA1F-A62DEB3BCAAF}"/>
+              </a:ext>
+            </a:extLst>
+          </p:cNvPr>
+          <p:cNvSpPr>
+            <a:spLocks noChangeShapeType="1"/>
+          </p:cNvSpPr>
+          <p:nvPr/>
+        </p:nvSpPr>
+        <p:spPr bwMode="auto">
+          <a:xfrm>
+            <a:off x="1221529" y="3333699"/>
+            <a:ext cx="296418" cy="0"/>
+          </a:xfrm>
+          <a:prstGeom prst="line">
+            <a:avLst/>
+          </a:prstGeom>
+          <a:noFill/>
+          <a:ln w="9525">
+            <a:solidFill>
+              <a:srgbClr val="000000"/>
+            </a:solidFill>
+            <a:round/>
+            <a:headEnd/>
+            <a:tailEnd type="triangle" w="med" len="med"/>
+          </a:ln>
+          <a:extLst>
+            <a:ext uri="{909E8E84-426E-40DD-AFC4-6F175D3DCCD1}">
+              <a14:hiddenFill xmlns:a14="http://schemas.microsoft.com/office/drawing/2010/main">
+                <a:noFill/>
+              </a14:hiddenFill>
+            </a:ext>
+          </a:extLst>
+        </p:spPr>
+        <p:txBody>
+          <a:bodyPr vert="horz" wrap="square" lIns="91440" tIns="45720" rIns="91440" bIns="45720" numCol="1" anchor="t" anchorCtr="0" compatLnSpc="1">
+            <a:prstTxWarp prst="textNoShape">
+              <a:avLst/>
+            </a:prstTxWarp>
+          </a:bodyPr>
+          <a:lstStyle/>
+          <a:p>
+            <a:endParaRPr lang="en-US"/>
+          </a:p>
+        </p:txBody>
+      </p:sp>
+      <p:cxnSp>
+        <p:nvCxnSpPr>
+          <p:cNvPr id="107" name="Straight Connector 106">
+            <a:extLst>
+              <a:ext uri="{FF2B5EF4-FFF2-40B4-BE49-F238E27FC236}">
+                <a16:creationId xmlns:a16="http://schemas.microsoft.com/office/drawing/2014/main" id="{F65E1AA8-2957-9349-872A-A9A6F1AAB55F}"/>
+              </a:ext>
+            </a:extLst>
+          </p:cNvPr>
+          <p:cNvCxnSpPr>
+            <a:cxnSpLocks/>
+          </p:cNvCxnSpPr>
+          <p:nvPr/>
+        </p:nvCxnSpPr>
+        <p:spPr>
+          <a:xfrm flipH="1">
+            <a:off x="1209023" y="3091242"/>
+            <a:ext cx="0" cy="242457"/>
+          </a:xfrm>
+          <a:prstGeom prst="line">
+            <a:avLst/>
+          </a:prstGeom>
+          <a:ln w="12700">
+            <a:solidFill>
+              <a:schemeClr val="tx1"/>
+            </a:solidFill>
+          </a:ln>
+        </p:spPr>
+        <p:style>
+          <a:lnRef idx="1">
+            <a:schemeClr val="accent1"/>
+          </a:lnRef>
+          <a:fillRef idx="0">
+            <a:schemeClr val="accent1"/>
+          </a:fillRef>
+          <a:effectRef idx="0">
+            <a:schemeClr val="accent1"/>
+          </a:effectRef>
+          <a:fontRef idx="minor">
+            <a:schemeClr val="tx1"/>
+          </a:fontRef>
+        </p:style>
+      </p:cxnSp>
+      <p:cxnSp>
+        <p:nvCxnSpPr>
+          <p:cNvPr id="108" name="Straight Connector 107">
+            <a:extLst>
+              <a:ext uri="{FF2B5EF4-FFF2-40B4-BE49-F238E27FC236}">
+                <a16:creationId xmlns:a16="http://schemas.microsoft.com/office/drawing/2014/main" id="{289F0F43-0542-3349-AADB-543636AD4740}"/>
+              </a:ext>
+            </a:extLst>
+          </p:cNvPr>
+          <p:cNvCxnSpPr>
+            <a:cxnSpLocks/>
+          </p:cNvCxnSpPr>
+          <p:nvPr/>
+        </p:nvCxnSpPr>
+        <p:spPr>
+          <a:xfrm>
+            <a:off x="1204212" y="3091243"/>
+            <a:ext cx="324127" cy="0"/>
+          </a:xfrm>
+          <a:prstGeom prst="line">
+            <a:avLst/>
+          </a:prstGeom>
+          <a:ln w="12700">
+            <a:solidFill>
+              <a:schemeClr val="tx1"/>
+            </a:solidFill>
+          </a:ln>
+        </p:spPr>
+        <p:style>
+          <a:lnRef idx="1">
+            <a:schemeClr val="accent1"/>
+          </a:lnRef>
+          <a:fillRef idx="0">
+            <a:schemeClr val="accent1"/>
+          </a:fillRef>
+          <a:effectRef idx="0">
+            <a:schemeClr val="accent1"/>
+          </a:effectRef>
+          <a:fontRef idx="minor">
+            <a:schemeClr val="tx1"/>
+          </a:fontRef>
+        </p:style>
+      </p:cxnSp>
     </p:spTree>
     <p:extLst>
       <p:ext uri="{BB962C8B-B14F-4D97-AF65-F5344CB8AC3E}">
